--- a/Zhytomyr_Tourism_Presentation.pptx
+++ b/Zhytomyr_Tourism_Presentation.pptx
@@ -10,6 +10,12 @@
     <p:sldId id="258" r:id="rId9"/>
     <p:sldId id="259" r:id="rId10"/>
     <p:sldId id="260" r:id="rId11"/>
+    <p:sldId id="261" r:id="rId12"/>
+    <p:sldId id="262" r:id="rId13"/>
+    <p:sldId id="263" r:id="rId14"/>
+    <p:sldId id="264" r:id="rId15"/>
+    <p:sldId id="265" r:id="rId16"/>
+    <p:sldId id="266" r:id="rId17"/>
   </p:sldIdLst>
   <p:sldSz cx="9144000" cy="6858000" type="screen4x3"/>
   <p:notesSz cx="6858000" cy="9144000"/>
@@ -3158,13 +3164,11 @@
           <a:lstStyle/>
           <a:p>
             <a:pPr algn="ctr">
-              <a:lnSpc>
-                <a:spcPct val="150000"/>
-              </a:lnSpc>
               <a:defRPr sz="1600">
                 <a:solidFill>
                   <a:srgbClr val="C8C8C8"/>
                 </a:solidFill>
+                <a:latin typeface="Arial"/>
               </a:defRPr>
             </a:pPr>
             <a:r>
@@ -3215,11 +3219,11 @@
           </a:fontRef>
         </p:style>
         <p:txBody>
-          <a:bodyPr rtlCol="0" anchor="ctr" wrap="square" lIns="182880" rIns="182880" tIns="91440" bIns="91440"/>
+          <a:bodyPr rtlCol="0" anchor="ctr" wrap="square" lIns="137160" rIns="137160" tIns="91440"/>
           <a:lstStyle/>
           <a:p>
             <a:pPr algn="ctr">
-              <a:defRPr sz="3200" b="1">
+              <a:defRPr sz="3000" b="1">
                 <a:solidFill>
                   <a:srgbClr val="10B981"/>
                 </a:solidFill>
@@ -3263,6 +3267,7 @@
                 <a:solidFill>
                   <a:srgbClr val="C8C8C8"/>
                 </a:solidFill>
+                <a:latin typeface="Arial"/>
               </a:defRPr>
             </a:pPr>
             <a:r>
@@ -3294,17 +3299,15 @@
           <a:lstStyle/>
           <a:p>
             <a:pPr algn="ctr">
-              <a:lnSpc>
-                <a:spcPct val="130000"/>
-              </a:lnSpc>
               <a:defRPr sz="1400">
                 <a:solidFill>
                   <a:srgbClr val="C8C8C8"/>
                 </a:solidFill>
+                <a:latin typeface="Arial"/>
               </a:defRPr>
             </a:pPr>
             <a:r>
-              <a:t>[Ваше Прізвище, Ім'я, По батькові]</a:t>
+              <a:t>[Ваше ПІБ]</a:t>
             </a:r>
             <a:br/>
             <a:r>
@@ -3313,11 +3316,11 @@
             <a:br/>
             <a:br/>
             <a:r>
-              <a:t>Керівник роботи:</a:t>
+              <a:t>Керівник:</a:t>
             </a:r>
             <a:br/>
             <a:r>
-              <a:t>[ПІБ Керівника, науковий ступінь, посада]</a:t>
+              <a:t>[ПІБ Керівника]</a:t>
             </a:r>
             <a:br/>
             <a:br/>
@@ -3354,10 +3357,548 @@
                 <a:solidFill>
                   <a:srgbClr val="646464"/>
                 </a:solidFill>
+                <a:latin typeface="Arial"/>
               </a:defRPr>
             </a:pPr>
             <a:r>
               <a:t>1 / 11</a:t>
+            </a:r>
+          </a:p>
+        </p:txBody>
+      </p:sp>
+    </p:spTree>
+  </p:cSld>
+  <p:clrMapOvr>
+    <a:masterClrMapping/>
+  </p:clrMapOvr>
+</p:sld>
+</file>
+
+<file path=ppt/slides/slide10.xml><?xml version="1.0" encoding="utf-8"?>
+<p:sld xmlns:a="http://schemas.openxmlformats.org/drawingml/2006/main" xmlns:p="http://schemas.openxmlformats.org/presentationml/2006/main" xmlns:r="http://schemas.openxmlformats.org/officeDocument/2006/relationships">
+  <p:cSld>
+    <p:spTree>
+      <p:nvGrpSpPr>
+        <p:cNvPr id="1" name=""/>
+        <p:cNvGrpSpPr/>
+        <p:nvPr/>
+      </p:nvGrpSpPr>
+      <p:grpSpPr/>
+      <p:sp>
+        <p:nvSpPr>
+          <p:cNvPr id="2" name="Rectangle 1"/>
+          <p:cNvSpPr/>
+          <p:nvPr/>
+        </p:nvSpPr>
+        <p:spPr>
+          <a:xfrm>
+            <a:off x="0" y="0"/>
+            <a:ext cx="9144000" cy="6858000"/>
+          </a:xfrm>
+          <a:prstGeom prst="rect">
+            <a:avLst/>
+          </a:prstGeom>
+          <a:solidFill>
+            <a:srgbClr val="1A1A1A"/>
+          </a:solidFill>
+          <a:ln>
+            <a:noFill/>
+          </a:ln>
+        </p:spPr>
+        <p:style>
+          <a:lnRef idx="1">
+            <a:schemeClr val="accent1"/>
+          </a:lnRef>
+          <a:fillRef idx="3">
+            <a:schemeClr val="accent1"/>
+          </a:fillRef>
+          <a:effectRef idx="2">
+            <a:schemeClr val="accent1"/>
+          </a:effectRef>
+          <a:fontRef idx="minor">
+            <a:schemeClr val="lt1"/>
+          </a:fontRef>
+        </p:style>
+        <p:txBody>
+          <a:bodyPr rtlCol="0" anchor="ctr"/>
+          <a:lstStyle/>
+          <a:p>
+            <a:pPr algn="ctr"/>
+          </a:p>
+        </p:txBody>
+      </p:sp>
+      <p:sp>
+        <p:nvSpPr>
+          <p:cNvPr id="3" name="Rounded Rectangle 2"/>
+          <p:cNvSpPr/>
+          <p:nvPr/>
+        </p:nvSpPr>
+        <p:spPr>
+          <a:xfrm>
+            <a:off x="457200" y="274320"/>
+            <a:ext cx="8229600" cy="548640"/>
+          </a:xfrm>
+          <a:prstGeom prst="roundRect">
+            <a:avLst/>
+          </a:prstGeom>
+          <a:solidFill>
+            <a:srgbClr val="10B981"/>
+          </a:solidFill>
+          <a:ln w="25400">
+            <a:solidFill>
+              <a:srgbClr val="10B981"/>
+            </a:solidFill>
+          </a:ln>
+        </p:spPr>
+        <p:style>
+          <a:lnRef idx="1">
+            <a:schemeClr val="accent1"/>
+          </a:lnRef>
+          <a:fillRef idx="3">
+            <a:schemeClr val="accent1"/>
+          </a:fillRef>
+          <a:effectRef idx="2">
+            <a:schemeClr val="accent1"/>
+          </a:effectRef>
+          <a:fontRef idx="minor">
+            <a:schemeClr val="lt1"/>
+          </a:fontRef>
+        </p:style>
+        <p:txBody>
+          <a:bodyPr rtlCol="0" anchor="ctr" wrap="square" lIns="137160" rIns="137160" tIns="91440"/>
+          <a:lstStyle/>
+          <a:p>
+            <a:pPr algn="ctr">
+              <a:defRPr sz="2600" b="1">
+                <a:solidFill>
+                  <a:srgbClr val="FFFFFF"/>
+                </a:solidFill>
+                <a:latin typeface="Arial"/>
+              </a:defRPr>
+            </a:pPr>
+            <a:r>
+              <a:t>ВИСНОВКИ</a:t>
+            </a:r>
+          </a:p>
+        </p:txBody>
+      </p:sp>
+      <p:sp>
+        <p:nvSpPr>
+          <p:cNvPr id="4" name="Rounded Rectangle 3"/>
+          <p:cNvSpPr/>
+          <p:nvPr/>
+        </p:nvSpPr>
+        <p:spPr>
+          <a:xfrm>
+            <a:off x="640080" y="1188720"/>
+            <a:ext cx="7863840" cy="3931920"/>
+          </a:xfrm>
+          <a:prstGeom prst="roundRect">
+            <a:avLst/>
+          </a:prstGeom>
+          <a:solidFill>
+            <a:srgbClr val="3C3C3C"/>
+          </a:solidFill>
+          <a:ln w="25400">
+            <a:solidFill>
+              <a:srgbClr val="10B981"/>
+            </a:solidFill>
+          </a:ln>
+        </p:spPr>
+        <p:style>
+          <a:lnRef idx="1">
+            <a:schemeClr val="accent1"/>
+          </a:lnRef>
+          <a:fillRef idx="3">
+            <a:schemeClr val="accent1"/>
+          </a:fillRef>
+          <a:effectRef idx="2">
+            <a:schemeClr val="accent1"/>
+          </a:effectRef>
+          <a:fontRef idx="minor">
+            <a:schemeClr val="lt1"/>
+          </a:fontRef>
+        </p:style>
+        <p:txBody>
+          <a:bodyPr rtlCol="0" anchor="ctr" wrap="square" lIns="137160" rIns="137160" tIns="91440"/>
+          <a:lstStyle/>
+          <a:p>
+            <a:pPr algn="ctr">
+              <a:defRPr sz="1000">
+                <a:solidFill>
+                  <a:srgbClr val="C8C8C8"/>
+                </a:solidFill>
+                <a:latin typeface="Arial"/>
+              </a:defRPr>
+            </a:pPr>
+            <a:r>
+              <a:t>Розроблена платформа повністю відповідає завданням:</a:t>
+            </a:r>
+            <a:br/>
+            <a:br/>
+            <a:r>
+              <a:t>✓ Комплексний аналіз 1,864 туристичних об'єктів</a:t>
+            </a:r>
+            <a:br/>
+            <a:br/>
+            <a:r>
+              <a:t>✓ K-means кластеризація з високими метриками:</a:t>
+            </a:r>
+            <a:br/>
+            <a:r>
+              <a:t>   • Silhouette: 0.693 (Висока якість)</a:t>
+            </a:r>
+            <a:br/>
+            <a:r>
+              <a:t>   • Davies-Bouldin: 0.620 (Добра сепарація)</a:t>
+            </a:r>
+            <a:br/>
+            <a:r>
+              <a:t>   • Calinski-Harabasz: 1247 (Висока щільність)</a:t>
+            </a:r>
+            <a:br/>
+            <a:br/>
+            <a:r>
+              <a:t>✓ Професійна візуалізація (Elbow, Silhouette, PCA)</a:t>
+            </a:r>
+            <a:br/>
+            <a:br/>
+            <a:r>
+              <a:t>✓ Інтерактивна карта з точними GeoJSON межами</a:t>
+            </a:r>
+            <a:br/>
+            <a:br/>
+            <a:r>
+              <a:t>✓ AI-асистент для персоналізованих рекомендацій</a:t>
+            </a:r>
+            <a:br/>
+            <a:br/>
+            <a:r>
+              <a:t>✓ Google Places API інтеграція</a:t>
+            </a:r>
+            <a:br/>
+            <a:br/>
+            <a:r>
+              <a:t>✓ Детальна аналітика щільності та популярності</a:t>
+            </a:r>
+          </a:p>
+        </p:txBody>
+      </p:sp>
+      <p:sp>
+        <p:nvSpPr>
+          <p:cNvPr id="5" name="Rounded Rectangle 4"/>
+          <p:cNvSpPr/>
+          <p:nvPr/>
+        </p:nvSpPr>
+        <p:spPr>
+          <a:xfrm>
+            <a:off x="640080" y="5212080"/>
+            <a:ext cx="7863840" cy="640080"/>
+          </a:xfrm>
+          <a:prstGeom prst="roundRect">
+            <a:avLst/>
+          </a:prstGeom>
+          <a:solidFill>
+            <a:srgbClr val="10B981"/>
+          </a:solidFill>
+          <a:ln w="25400">
+            <a:solidFill>
+              <a:srgbClr val="10B981"/>
+            </a:solidFill>
+          </a:ln>
+        </p:spPr>
+        <p:style>
+          <a:lnRef idx="1">
+            <a:schemeClr val="accent1"/>
+          </a:lnRef>
+          <a:fillRef idx="3">
+            <a:schemeClr val="accent1"/>
+          </a:fillRef>
+          <a:effectRef idx="2">
+            <a:schemeClr val="accent1"/>
+          </a:effectRef>
+          <a:fontRef idx="minor">
+            <a:schemeClr val="lt1"/>
+          </a:fontRef>
+        </p:style>
+        <p:txBody>
+          <a:bodyPr rtlCol="0" anchor="ctr" wrap="square" lIns="137160" rIns="137160" tIns="91440"/>
+          <a:lstStyle/>
+          <a:p>
+            <a:pPr algn="ctr">
+              <a:defRPr sz="1100" b="1">
+                <a:solidFill>
+                  <a:srgbClr val="FFFFFF"/>
+                </a:solidFill>
+                <a:latin typeface="Arial"/>
+              </a:defRPr>
+            </a:pPr>
+            <a:r>
+              <a:t>Система забезпечує науково обґрунтоване планування розвитку туристичної інфраструктури Житомирської області.</a:t>
+            </a:r>
+          </a:p>
+        </p:txBody>
+      </p:sp>
+      <p:sp>
+        <p:nvSpPr>
+          <p:cNvPr id="6" name="TextBox 5"/>
+          <p:cNvSpPr txBox="1"/>
+          <p:nvPr/>
+        </p:nvSpPr>
+        <p:spPr>
+          <a:xfrm>
+            <a:off x="7772400" y="6309360"/>
+            <a:ext cx="914400" cy="274320"/>
+          </a:xfrm>
+          <a:prstGeom prst="rect">
+            <a:avLst/>
+          </a:prstGeom>
+          <a:noFill/>
+        </p:spPr>
+        <p:txBody>
+          <a:bodyPr wrap="none">
+            <a:spAutoFit/>
+          </a:bodyPr>
+          <a:lstStyle/>
+          <a:p>
+            <a:pPr algn="r">
+              <a:defRPr sz="1200">
+                <a:solidFill>
+                  <a:srgbClr val="646464"/>
+                </a:solidFill>
+                <a:latin typeface="Arial"/>
+              </a:defRPr>
+            </a:pPr>
+            <a:r>
+              <a:t>10 / 11</a:t>
+            </a:r>
+          </a:p>
+        </p:txBody>
+      </p:sp>
+    </p:spTree>
+  </p:cSld>
+  <p:clrMapOvr>
+    <a:masterClrMapping/>
+  </p:clrMapOvr>
+</p:sld>
+</file>
+
+<file path=ppt/slides/slide11.xml><?xml version="1.0" encoding="utf-8"?>
+<p:sld xmlns:a="http://schemas.openxmlformats.org/drawingml/2006/main" xmlns:p="http://schemas.openxmlformats.org/presentationml/2006/main" xmlns:r="http://schemas.openxmlformats.org/officeDocument/2006/relationships">
+  <p:cSld>
+    <p:spTree>
+      <p:nvGrpSpPr>
+        <p:cNvPr id="1" name=""/>
+        <p:cNvGrpSpPr/>
+        <p:nvPr/>
+      </p:nvGrpSpPr>
+      <p:grpSpPr/>
+      <p:sp>
+        <p:nvSpPr>
+          <p:cNvPr id="2" name="Rectangle 1"/>
+          <p:cNvSpPr/>
+          <p:nvPr/>
+        </p:nvSpPr>
+        <p:spPr>
+          <a:xfrm>
+            <a:off x="0" y="0"/>
+            <a:ext cx="9144000" cy="6858000"/>
+          </a:xfrm>
+          <a:prstGeom prst="rect">
+            <a:avLst/>
+          </a:prstGeom>
+          <a:solidFill>
+            <a:srgbClr val="1A1A1A"/>
+          </a:solidFill>
+          <a:ln>
+            <a:noFill/>
+          </a:ln>
+        </p:spPr>
+        <p:style>
+          <a:lnRef idx="1">
+            <a:schemeClr val="accent1"/>
+          </a:lnRef>
+          <a:fillRef idx="3">
+            <a:schemeClr val="accent1"/>
+          </a:fillRef>
+          <a:effectRef idx="2">
+            <a:schemeClr val="accent1"/>
+          </a:effectRef>
+          <a:fontRef idx="minor">
+            <a:schemeClr val="lt1"/>
+          </a:fontRef>
+        </p:style>
+        <p:txBody>
+          <a:bodyPr rtlCol="0" anchor="ctr"/>
+          <a:lstStyle/>
+          <a:p>
+            <a:pPr algn="ctr"/>
+          </a:p>
+        </p:txBody>
+      </p:sp>
+      <p:sp>
+        <p:nvSpPr>
+          <p:cNvPr id="3" name="TextBox 2"/>
+          <p:cNvSpPr txBox="1"/>
+          <p:nvPr/>
+        </p:nvSpPr>
+        <p:spPr>
+          <a:xfrm>
+            <a:off x="1828800" y="2286000"/>
+            <a:ext cx="5486400" cy="914400"/>
+          </a:xfrm>
+          <a:prstGeom prst="rect">
+            <a:avLst/>
+          </a:prstGeom>
+          <a:noFill/>
+        </p:spPr>
+        <p:txBody>
+          <a:bodyPr wrap="none">
+            <a:spAutoFit/>
+          </a:bodyPr>
+          <a:lstStyle/>
+          <a:p>
+            <a:pPr algn="ctr">
+              <a:defRPr sz="4800" b="1">
+                <a:solidFill>
+                  <a:srgbClr val="10B981"/>
+                </a:solidFill>
+                <a:latin typeface="Arial"/>
+              </a:defRPr>
+            </a:pPr>
+            <a:r>
+              <a:t>Дякую за увагу!</a:t>
+            </a:r>
+          </a:p>
+        </p:txBody>
+      </p:sp>
+      <p:sp>
+        <p:nvSpPr>
+          <p:cNvPr id="4" name="TextBox 3"/>
+          <p:cNvSpPr txBox="1"/>
+          <p:nvPr/>
+        </p:nvSpPr>
+        <p:spPr>
+          <a:xfrm>
+            <a:off x="2286000" y="3657600"/>
+            <a:ext cx="4572000" cy="457200"/>
+          </a:xfrm>
+          <a:prstGeom prst="rect">
+            <a:avLst/>
+          </a:prstGeom>
+          <a:noFill/>
+        </p:spPr>
+        <p:txBody>
+          <a:bodyPr wrap="none">
+            <a:spAutoFit/>
+          </a:bodyPr>
+          <a:lstStyle/>
+          <a:p>
+            <a:pPr algn="ctr">
+              <a:defRPr sz="1800">
+                <a:solidFill>
+                  <a:srgbClr val="C8C8C8"/>
+                </a:solidFill>
+                <a:latin typeface="Arial"/>
+              </a:defRPr>
+            </a:pPr>
+            <a:r>
+              <a:t>Готовий відповісти на запитання</a:t>
+            </a:r>
+          </a:p>
+        </p:txBody>
+      </p:sp>
+      <p:sp>
+        <p:nvSpPr>
+          <p:cNvPr id="5" name="Rounded Rectangle 4"/>
+          <p:cNvSpPr/>
+          <p:nvPr/>
+        </p:nvSpPr>
+        <p:spPr>
+          <a:xfrm>
+            <a:off x="2286000" y="4572000"/>
+            <a:ext cx="4572000" cy="640080"/>
+          </a:xfrm>
+          <a:prstGeom prst="roundRect">
+            <a:avLst/>
+          </a:prstGeom>
+          <a:solidFill>
+            <a:srgbClr val="3C3C3C"/>
+          </a:solidFill>
+          <a:ln w="25400">
+            <a:solidFill>
+              <a:srgbClr val="10B981"/>
+            </a:solidFill>
+          </a:ln>
+        </p:spPr>
+        <p:style>
+          <a:lnRef idx="1">
+            <a:schemeClr val="accent1"/>
+          </a:lnRef>
+          <a:fillRef idx="3">
+            <a:schemeClr val="accent1"/>
+          </a:fillRef>
+          <a:effectRef idx="2">
+            <a:schemeClr val="accent1"/>
+          </a:effectRef>
+          <a:fontRef idx="minor">
+            <a:schemeClr val="lt1"/>
+          </a:fontRef>
+        </p:style>
+        <p:txBody>
+          <a:bodyPr rtlCol="0" anchor="ctr" wrap="square" lIns="137160" rIns="137160" tIns="91440"/>
+          <a:lstStyle/>
+          <a:p>
+            <a:pPr algn="ctr">
+              <a:defRPr sz="1100">
+                <a:solidFill>
+                  <a:srgbClr val="10B981"/>
+                </a:solidFill>
+                <a:latin typeface="Arial"/>
+              </a:defRPr>
+            </a:pPr>
+            <a:r>
+              <a:t>🔗 Посилання на проект:</a:t>
+            </a:r>
+            <a:br/>
+            <a:r>
+              <a:t>[Ваше посилання]</a:t>
+            </a:r>
+          </a:p>
+        </p:txBody>
+      </p:sp>
+      <p:sp>
+        <p:nvSpPr>
+          <p:cNvPr id="6" name="TextBox 5"/>
+          <p:cNvSpPr txBox="1"/>
+          <p:nvPr/>
+        </p:nvSpPr>
+        <p:spPr>
+          <a:xfrm>
+            <a:off x="7772400" y="6309360"/>
+            <a:ext cx="914400" cy="274320"/>
+          </a:xfrm>
+          <a:prstGeom prst="rect">
+            <a:avLst/>
+          </a:prstGeom>
+          <a:noFill/>
+        </p:spPr>
+        <p:txBody>
+          <a:bodyPr wrap="none">
+            <a:spAutoFit/>
+          </a:bodyPr>
+          <a:lstStyle/>
+          <a:p>
+            <a:pPr algn="r">
+              <a:defRPr sz="1200">
+                <a:solidFill>
+                  <a:srgbClr val="646464"/>
+                </a:solidFill>
+                <a:latin typeface="Arial"/>
+              </a:defRPr>
+            </a:pPr>
+            <a:r>
+              <a:t>11 / 11</a:t>
             </a:r>
           </a:p>
         </p:txBody>
@@ -3461,11 +4002,11 @@
           </a:fontRef>
         </p:style>
         <p:txBody>
-          <a:bodyPr rtlCol="0" anchor="ctr" wrap="square" lIns="182880" rIns="182880" tIns="91440" bIns="91440"/>
-          <a:lstStyle/>
-          <a:p>
-            <a:pPr algn="l">
-              <a:defRPr sz="2800" b="1">
+          <a:bodyPr rtlCol="0" anchor="ctr" wrap="square" lIns="137160" rIns="137160" tIns="91440"/>
+          <a:lstStyle/>
+          <a:p>
+            <a:pPr algn="ctr">
+              <a:defRPr sz="2600" b="1">
                 <a:solidFill>
                   <a:srgbClr val="FFFFFF"/>
                 </a:solidFill>
@@ -3516,11 +4057,11 @@
           </a:fontRef>
         </p:style>
         <p:txBody>
-          <a:bodyPr rtlCol="0" anchor="ctr" wrap="square" lIns="182880" rIns="182880" tIns="91440" bIns="91440"/>
+          <a:bodyPr rtlCol="0" anchor="ctr" wrap="square" lIns="137160" rIns="137160" tIns="91440"/>
           <a:lstStyle/>
           <a:p>
             <a:pPr algn="ctr">
-              <a:defRPr sz="1300">
+              <a:defRPr sz="1200">
                 <a:solidFill>
                   <a:srgbClr val="C8C8C8"/>
                 </a:solidFill>
@@ -3528,12 +4069,12 @@
               </a:defRPr>
             </a:pPr>
             <a:r>
-              <a:t>Зростання туристичного потоку в Україні та необхідність ефективного планування розвитку туристичної інфраструктури вимагають сучасних інструментів аналізу та візуалізації геопросторових даних.</a:t>
+              <a:t>Зростання туристичного потоку в Україні та необхідність ефективного планування розвитку туристичної інфраструктури вимагають сучасних інструментів аналізу.</a:t>
             </a:r>
             <a:br/>
             <a:br/>
             <a:r>
-              <a:t>Відсутність комплексних систем для аналізу туристичних об'єктів створює труднощі для прийняття обґрунтованих управлінських рішень.</a:t>
+              <a:t>Відсутність комплексних систем створює труднощі для прийняття управлінських рішень.</a:t>
             </a:r>
           </a:p>
         </p:txBody>
@@ -3576,11 +4117,11 @@
           </a:fontRef>
         </p:style>
         <p:txBody>
-          <a:bodyPr rtlCol="0" anchor="ctr" wrap="square" lIns="182880" rIns="182880" tIns="91440" bIns="91440"/>
+          <a:bodyPr rtlCol="0" anchor="ctr" wrap="square" lIns="137160" rIns="137160" tIns="91440"/>
           <a:lstStyle/>
           <a:p>
             <a:pPr algn="ctr">
-              <a:defRPr sz="1600" b="1">
+              <a:defRPr sz="1400" b="1">
                 <a:solidFill>
                   <a:srgbClr val="FFFFFF"/>
                 </a:solidFill>
@@ -3631,11 +4172,11 @@
           </a:fontRef>
         </p:style>
         <p:txBody>
-          <a:bodyPr rtlCol="0" anchor="ctr" wrap="square" lIns="182880" rIns="182880" tIns="91440" bIns="91440"/>
+          <a:bodyPr rtlCol="0" anchor="ctr" wrap="square" lIns="137160" rIns="137160" tIns="91440"/>
           <a:lstStyle/>
           <a:p>
             <a:pPr algn="ctr">
-              <a:defRPr sz="1200">
+              <a:defRPr sz="1100">
                 <a:solidFill>
                   <a:srgbClr val="C8C8C8"/>
                 </a:solidFill>
@@ -3643,20 +4184,20 @@
               </a:defRPr>
             </a:pPr>
             <a:r>
-              <a:t>Розробка інтелектуальної платформи з використанням алгоритмів машинного навчання (K-means кластеризація) та геоінформаційних технологій дозволить:</a:t>
+              <a:t>Розробка платформи з K-means кластеризацією дозволить:</a:t>
             </a:r>
             <a:br/>
             <a:br/>
             <a:r>
-              <a:t>• Автоматизувати процес аналізу 1,864 туристичних об'єктів</a:t>
+              <a:t>• Автоматизувати аналіз 1,864 об'єктів</a:t>
             </a:r>
             <a:br/>
             <a:r>
-              <a:t>• Виявити географічні закономірності розміщення</a:t>
+              <a:t>• Виявити географічні закономірності</a:t>
             </a:r>
             <a:br/>
             <a:r>
-              <a:t>• Надати науково обґрунтовані рекомендації для розвитку туристичної галузі</a:t>
+              <a:t>• Надати науково обґрунтовані рекомендації</a:t>
             </a:r>
           </a:p>
         </p:txBody>
@@ -3688,6 +4229,7 @@
                 <a:solidFill>
                   <a:srgbClr val="646464"/>
                 </a:solidFill>
+                <a:latin typeface="Arial"/>
               </a:defRPr>
             </a:pPr>
             <a:r>
@@ -3795,11 +4337,11 @@
           </a:fontRef>
         </p:style>
         <p:txBody>
-          <a:bodyPr rtlCol="0" anchor="ctr" wrap="square" lIns="182880" rIns="182880" tIns="91440" bIns="91440"/>
-          <a:lstStyle/>
-          <a:p>
-            <a:pPr algn="l">
-              <a:defRPr sz="2800" b="1">
+          <a:bodyPr rtlCol="0" anchor="ctr" wrap="square" lIns="137160" rIns="137160" tIns="91440"/>
+          <a:lstStyle/>
+          <a:p>
+            <a:pPr algn="ctr">
+              <a:defRPr sz="2600" b="1">
                 <a:solidFill>
                   <a:srgbClr val="FFFFFF"/>
                 </a:solidFill>
@@ -3807,7 +4349,7 @@
               </a:defRPr>
             </a:pPr>
             <a:r>
-              <a:t>ПРЕДМЕТ, ОБ'ЄКТ ТА МЕТОДОЛОГІЯ ДОСЛІДЖЕННЯ</a:t>
+              <a:t>ПРЕДМЕТ, ОБ'ЄКТ ТА МЕТОДОЛОГІЯ</a:t>
             </a:r>
           </a:p>
         </p:txBody>
@@ -3850,11 +4392,11 @@
           </a:fontRef>
         </p:style>
         <p:txBody>
-          <a:bodyPr rtlCol="0" anchor="ctr" wrap="square" lIns="182880" rIns="182880" tIns="91440" bIns="91440"/>
+          <a:bodyPr rtlCol="0" anchor="ctr" wrap="square" lIns="137160" rIns="137160" tIns="91440"/>
           <a:lstStyle/>
           <a:p>
             <a:pPr algn="ctr">
-              <a:defRPr sz="2400" b="1">
+              <a:defRPr sz="2200" b="1">
                 <a:solidFill>
                   <a:srgbClr val="FFFFFF"/>
                 </a:solidFill>
@@ -3876,7 +4418,7 @@
         <p:spPr>
           <a:xfrm>
             <a:off x="1371600" y="1188720"/>
-            <a:ext cx="7132320" cy="1280160"/>
+            <a:ext cx="7132320" cy="1188720"/>
           </a:xfrm>
           <a:prstGeom prst="roundRect">
             <a:avLst/>
@@ -3905,11 +4447,11 @@
           </a:fontRef>
         </p:style>
         <p:txBody>
-          <a:bodyPr rtlCol="0" anchor="ctr" wrap="square" lIns="182880" rIns="182880" tIns="91440" bIns="91440"/>
+          <a:bodyPr rtlCol="0" anchor="ctr" wrap="square" lIns="137160" rIns="137160" tIns="91440"/>
           <a:lstStyle/>
           <a:p>
             <a:pPr algn="ctr">
-              <a:defRPr sz="1400" b="1">
+              <a:defRPr sz="1300" b="1">
                 <a:solidFill>
                   <a:srgbClr val="10B981"/>
                 </a:solidFill>
@@ -3921,7 +4463,7 @@
             </a:r>
             <a:br/>
             <a:r>
-              <a:t>Процес моделювання інтелектуальної системи для аналізу та кластеризації туристичних об'єктів на основі геопросторових даних</a:t>
+              <a:t>Моделювання системи для аналізу та кластеризації туристичних об'єктів на основі геопросторових даних</a:t>
             </a:r>
           </a:p>
         </p:txBody>
@@ -3934,7 +4476,7 @@
         </p:nvSpPr>
         <p:spPr>
           <a:xfrm>
-            <a:off x="640080" y="2651760"/>
+            <a:off x="640080" y="2560320"/>
             <a:ext cx="548640" cy="548640"/>
           </a:xfrm>
           <a:prstGeom prst="roundRect">
@@ -3964,11 +4506,11 @@
           </a:fontRef>
         </p:style>
         <p:txBody>
-          <a:bodyPr rtlCol="0" anchor="ctr" wrap="square" lIns="182880" rIns="182880" tIns="91440" bIns="91440"/>
+          <a:bodyPr rtlCol="0" anchor="ctr" wrap="square" lIns="137160" rIns="137160" tIns="91440"/>
           <a:lstStyle/>
           <a:p>
             <a:pPr algn="ctr">
-              <a:defRPr sz="2400" b="1">
+              <a:defRPr sz="2200" b="1">
                 <a:solidFill>
                   <a:srgbClr val="FFFFFF"/>
                 </a:solidFill>
@@ -3989,8 +4531,8 @@
         </p:nvSpPr>
         <p:spPr>
           <a:xfrm>
-            <a:off x="1371600" y="2651760"/>
-            <a:ext cx="7132320" cy="1280160"/>
+            <a:off x="1371600" y="2560320"/>
+            <a:ext cx="7132320" cy="1188720"/>
           </a:xfrm>
           <a:prstGeom prst="roundRect">
             <a:avLst/>
@@ -4019,11 +4561,11 @@
           </a:fontRef>
         </p:style>
         <p:txBody>
-          <a:bodyPr rtlCol="0" anchor="ctr" wrap="square" lIns="182880" rIns="182880" tIns="91440" bIns="91440"/>
+          <a:bodyPr rtlCol="0" anchor="ctr" wrap="square" lIns="137160" rIns="137160" tIns="91440"/>
           <a:lstStyle/>
           <a:p>
             <a:pPr algn="ctr">
-              <a:defRPr sz="1400" b="1">
+              <a:defRPr sz="1300" b="1">
                 <a:solidFill>
                   <a:srgbClr val="10B981"/>
                 </a:solidFill>
@@ -4031,11 +4573,11 @@
               </a:defRPr>
             </a:pPr>
             <a:r>
-              <a:t>ОБ'ЄКТ ДОСЛІДЖЕННЯ</a:t>
+              <a:t>ОБ'ЄКТ</a:t>
             </a:r>
             <a:br/>
             <a:r>
-              <a:t>Сукупність методів та засобів геоінформаційного аналізу, кластеризації та візуалізації туристичних даних</a:t>
+              <a:t>Методи геоінформаційного аналізу, кластеризації та візуалізації туристичних даних</a:t>
             </a:r>
           </a:p>
         </p:txBody>
@@ -4048,7 +4590,7 @@
         </p:nvSpPr>
         <p:spPr>
           <a:xfrm>
-            <a:off x="640080" y="4114800"/>
+            <a:off x="640080" y="3931920"/>
             <a:ext cx="548640" cy="548640"/>
           </a:xfrm>
           <a:prstGeom prst="roundRect">
@@ -4078,11 +4620,11 @@
           </a:fontRef>
         </p:style>
         <p:txBody>
-          <a:bodyPr rtlCol="0" anchor="ctr" wrap="square" lIns="182880" rIns="182880" tIns="91440" bIns="91440"/>
+          <a:bodyPr rtlCol="0" anchor="ctr" wrap="square" lIns="137160" rIns="137160" tIns="91440"/>
           <a:lstStyle/>
           <a:p>
             <a:pPr algn="ctr">
-              <a:defRPr sz="2400" b="1">
+              <a:defRPr sz="2200" b="1">
                 <a:solidFill>
                   <a:srgbClr val="FFFFFF"/>
                 </a:solidFill>
@@ -4103,8 +4645,8 @@
         </p:nvSpPr>
         <p:spPr>
           <a:xfrm>
-            <a:off x="1371600" y="4114800"/>
-            <a:ext cx="7132320" cy="1280160"/>
+            <a:off x="1371600" y="3931920"/>
+            <a:ext cx="7132320" cy="1188720"/>
           </a:xfrm>
           <a:prstGeom prst="roundRect">
             <a:avLst/>
@@ -4133,11 +4675,11 @@
           </a:fontRef>
         </p:style>
         <p:txBody>
-          <a:bodyPr rtlCol="0" anchor="ctr" wrap="square" lIns="182880" rIns="182880" tIns="91440" bIns="91440"/>
+          <a:bodyPr rtlCol="0" anchor="ctr" wrap="square" lIns="137160" rIns="137160" tIns="91440"/>
           <a:lstStyle/>
           <a:p>
             <a:pPr algn="ctr">
-              <a:defRPr sz="1400" b="1">
+              <a:defRPr sz="1300" b="1">
                 <a:solidFill>
                   <a:srgbClr val="10B981"/>
                 </a:solidFill>
@@ -4149,7 +4691,7 @@
             </a:r>
             <a:br/>
             <a:r>
-              <a:t>K-means кластеризація • Geospatial analysis (GeoJSON) • Machine learning metrics (Silhouette, Davies-Bouldin) • RESTful API • Responsive UI/UX дизайн</a:t>
+              <a:t>K-means • GeoJSON • Machine Learning • RESTful API • Responsive UI/UX</a:t>
             </a:r>
           </a:p>
         </p:txBody>
@@ -4181,6 +4723,7 @@
                 <a:solidFill>
                   <a:srgbClr val="646464"/>
                 </a:solidFill>
+                <a:latin typeface="Arial"/>
               </a:defRPr>
             </a:pPr>
             <a:r>
@@ -4288,11 +4831,11 @@
           </a:fontRef>
         </p:style>
         <p:txBody>
-          <a:bodyPr rtlCol="0" anchor="ctr" wrap="square" lIns="182880" rIns="182880" tIns="91440" bIns="91440"/>
-          <a:lstStyle/>
-          <a:p>
-            <a:pPr algn="l">
-              <a:defRPr sz="2800" b="1">
+          <a:bodyPr rtlCol="0" anchor="ctr" wrap="square" lIns="137160" rIns="137160" tIns="91440"/>
+          <a:lstStyle/>
+          <a:p>
+            <a:pPr algn="ctr">
+              <a:defRPr sz="2600" b="1">
                 <a:solidFill>
                   <a:srgbClr val="FFFFFF"/>
                 </a:solidFill>
@@ -4300,7 +4843,7 @@
               </a:defRPr>
             </a:pPr>
             <a:r>
-              <a:t>МЕТА КВАЛІФІКАЦІЙНОЇ РОБОТИ</a:t>
+              <a:t>МЕТА ТА ЗАВДАННЯ</a:t>
             </a:r>
           </a:p>
         </p:txBody>
@@ -4314,7 +4857,7 @@
         <p:spPr>
           <a:xfrm>
             <a:off x="640080" y="1097280"/>
-            <a:ext cx="7863840" cy="1188720"/>
+            <a:ext cx="7863840" cy="1097280"/>
           </a:xfrm>
           <a:prstGeom prst="roundRect">
             <a:avLst/>
@@ -4343,11 +4886,11 @@
           </a:fontRef>
         </p:style>
         <p:txBody>
-          <a:bodyPr rtlCol="0" anchor="ctr" wrap="square" lIns="182880" rIns="182880" tIns="91440" bIns="91440"/>
+          <a:bodyPr rtlCol="0" anchor="ctr" wrap="square" lIns="137160" rIns="137160" tIns="91440"/>
           <a:lstStyle/>
           <a:p>
             <a:pPr algn="ctr">
-              <a:defRPr sz="1300">
+              <a:defRPr sz="1200">
                 <a:solidFill>
                   <a:srgbClr val="10B981"/>
                 </a:solidFill>
@@ -4355,7 +4898,7 @@
               </a:defRPr>
             </a:pPr>
             <a:r>
-              <a:t>Розробка інтелектуальної платформи для комплексного аналізу туристичних об'єктів Житомирської області, що забезпечить автоматичну кластеризацію даних, візуалізацію географічних закономірностей та надання персоналізованих рекомендацій для туристів і управлінських рішень для розвитку регіону.</a:t>
+              <a:t>Розробка платформи для комплексного аналізу туристичних об'єктів Житомирської області з автоматичною кластеризацією, візуалізацією та AI-рекомендаціями.</a:t>
             </a:r>
           </a:p>
         </p:txBody>
@@ -4368,7 +4911,7 @@
         </p:nvSpPr>
         <p:spPr>
           <a:xfrm>
-            <a:off x="640080" y="2468880"/>
+            <a:off x="640080" y="2286000"/>
             <a:ext cx="7863840" cy="365760"/>
           </a:xfrm>
           <a:prstGeom prst="roundRect">
@@ -4398,11 +4941,11 @@
           </a:fontRef>
         </p:style>
         <p:txBody>
-          <a:bodyPr rtlCol="0" anchor="ctr" wrap="square" lIns="182880" rIns="182880" tIns="91440" bIns="91440"/>
+          <a:bodyPr rtlCol="0" anchor="ctr" wrap="square" lIns="137160" rIns="137160" tIns="91440"/>
           <a:lstStyle/>
           <a:p>
             <a:pPr algn="ctr">
-              <a:defRPr sz="1600" b="1">
+              <a:defRPr sz="1400" b="1">
                 <a:solidFill>
                   <a:srgbClr val="FFFFFF"/>
                 </a:solidFill>
@@ -4423,8 +4966,8 @@
         </p:nvSpPr>
         <p:spPr>
           <a:xfrm>
-            <a:off x="640080" y="3017520"/>
-            <a:ext cx="3749039" cy="502920"/>
+            <a:off x="640080" y="2743200"/>
+            <a:ext cx="3749039" cy="457200"/>
           </a:xfrm>
           <a:prstGeom prst="roundRect">
             <a:avLst/>
@@ -4453,11 +4996,11 @@
           </a:fontRef>
         </p:style>
         <p:txBody>
-          <a:bodyPr rtlCol="0" anchor="ctr" wrap="square" lIns="182880" rIns="182880" tIns="91440" bIns="91440"/>
+          <a:bodyPr rtlCol="0" anchor="ctr" wrap="square" lIns="137160" rIns="137160" tIns="91440"/>
           <a:lstStyle/>
           <a:p>
             <a:pPr algn="ctr">
-              <a:defRPr sz="1100">
+              <a:defRPr sz="1000">
                 <a:solidFill>
                   <a:srgbClr val="141414"/>
                 </a:solidFill>
@@ -4465,7 +5008,7 @@
               </a:defRPr>
             </a:pPr>
             <a:r>
-              <a:t>1. Проаналізувати існуючі рішення для туристичної аналітики</a:t>
+              <a:t>1. Аналіз існуючих рішень</a:t>
             </a:r>
           </a:p>
         </p:txBody>
@@ -4478,8 +5021,8 @@
         </p:nvSpPr>
         <p:spPr>
           <a:xfrm>
-            <a:off x="640080" y="3611879"/>
-            <a:ext cx="3749039" cy="502920"/>
+            <a:off x="640080" y="3291840"/>
+            <a:ext cx="3749039" cy="457200"/>
           </a:xfrm>
           <a:prstGeom prst="roundRect">
             <a:avLst/>
@@ -4508,11 +5051,11 @@
           </a:fontRef>
         </p:style>
         <p:txBody>
-          <a:bodyPr rtlCol="0" anchor="ctr" wrap="square" lIns="182880" rIns="182880" tIns="91440" bIns="91440"/>
+          <a:bodyPr rtlCol="0" anchor="ctr" wrap="square" lIns="137160" rIns="137160" tIns="91440"/>
           <a:lstStyle/>
           <a:p>
             <a:pPr algn="ctr">
-              <a:defRPr sz="1100">
+              <a:defRPr sz="1000">
                 <a:solidFill>
                   <a:srgbClr val="141414"/>
                 </a:solidFill>
@@ -4520,7 +5063,7 @@
               </a:defRPr>
             </a:pPr>
             <a:r>
-              <a:t>2. Розробити архітектуру full-stack системи (FastAPI + React + MongoDB)</a:t>
+              <a:t>2. Архітектура full-stack системи</a:t>
             </a:r>
           </a:p>
         </p:txBody>
@@ -4533,8 +5076,8 @@
         </p:nvSpPr>
         <p:spPr>
           <a:xfrm>
-            <a:off x="640080" y="4206240"/>
-            <a:ext cx="3749039" cy="502920"/>
+            <a:off x="640080" y="3840480"/>
+            <a:ext cx="3749039" cy="457200"/>
           </a:xfrm>
           <a:prstGeom prst="roundRect">
             <a:avLst/>
@@ -4563,11 +5106,11 @@
           </a:fontRef>
         </p:style>
         <p:txBody>
-          <a:bodyPr rtlCol="0" anchor="ctr" wrap="square" lIns="182880" rIns="182880" tIns="91440" bIns="91440"/>
+          <a:bodyPr rtlCol="0" anchor="ctr" wrap="square" lIns="137160" rIns="137160" tIns="91440"/>
           <a:lstStyle/>
           <a:p>
             <a:pPr algn="ctr">
-              <a:defRPr sz="1100">
+              <a:defRPr sz="1000">
                 <a:solidFill>
                   <a:srgbClr val="141414"/>
                 </a:solidFill>
@@ -4575,7 +5118,7 @@
               </a:defRPr>
             </a:pPr>
             <a:r>
-              <a:t>3. Реалізувати K-means кластеризацію 1,864 об'єктів по 7 категоріях</a:t>
+              <a:t>3. K-means кластеризація 1,864 об'єктів</a:t>
             </a:r>
           </a:p>
         </p:txBody>
@@ -4588,8 +5131,8 @@
         </p:nvSpPr>
         <p:spPr>
           <a:xfrm>
-            <a:off x="640080" y="4800600"/>
-            <a:ext cx="3749039" cy="502920"/>
+            <a:off x="640080" y="4389120"/>
+            <a:ext cx="3749039" cy="457200"/>
           </a:xfrm>
           <a:prstGeom prst="roundRect">
             <a:avLst/>
@@ -4618,11 +5161,11 @@
           </a:fontRef>
         </p:style>
         <p:txBody>
-          <a:bodyPr rtlCol="0" anchor="ctr" wrap="square" lIns="182880" rIns="182880" tIns="91440" bIns="91440"/>
+          <a:bodyPr rtlCol="0" anchor="ctr" wrap="square" lIns="137160" rIns="137160" tIns="91440"/>
           <a:lstStyle/>
           <a:p>
             <a:pPr algn="ctr">
-              <a:defRPr sz="1100">
+              <a:defRPr sz="1000">
                 <a:solidFill>
                   <a:srgbClr val="141414"/>
                 </a:solidFill>
@@ -4630,7 +5173,7 @@
               </a:defRPr>
             </a:pPr>
             <a:r>
-              <a:t>4. Інтегрувати точні GeoJSON межі 4 районів Житомирської області</a:t>
+              <a:t>4. Інтеграція GeoJSON меж 4 районів</a:t>
             </a:r>
           </a:p>
         </p:txBody>
@@ -4643,8 +5186,8 @@
         </p:nvSpPr>
         <p:spPr>
           <a:xfrm>
-            <a:off x="4754880" y="3017520"/>
-            <a:ext cx="3749039" cy="502920"/>
+            <a:off x="4754880" y="2743200"/>
+            <a:ext cx="3749039" cy="457200"/>
           </a:xfrm>
           <a:prstGeom prst="roundRect">
             <a:avLst/>
@@ -4673,11 +5216,11 @@
           </a:fontRef>
         </p:style>
         <p:txBody>
-          <a:bodyPr rtlCol="0" anchor="ctr" wrap="square" lIns="182880" rIns="182880" tIns="91440" bIns="91440"/>
+          <a:bodyPr rtlCol="0" anchor="ctr" wrap="square" lIns="137160" rIns="137160" tIns="91440"/>
           <a:lstStyle/>
           <a:p>
             <a:pPr algn="ctr">
-              <a:defRPr sz="1100">
+              <a:defRPr sz="1000">
                 <a:solidFill>
                   <a:srgbClr val="141414"/>
                 </a:solidFill>
@@ -4685,7 +5228,7 @@
               </a:defRPr>
             </a:pPr>
             <a:r>
-              <a:t>5. Створити інтерактивну візуалізацію з Elbow Method, Silhouette Score, Dendrogram</a:t>
+              <a:t>5. Візуалізація з Elbow, Silhouette</a:t>
             </a:r>
           </a:p>
         </p:txBody>
@@ -4698,8 +5241,8 @@
         </p:nvSpPr>
         <p:spPr>
           <a:xfrm>
-            <a:off x="4754880" y="3611879"/>
-            <a:ext cx="3749039" cy="502920"/>
+            <a:off x="4754880" y="3291840"/>
+            <a:ext cx="3749039" cy="457200"/>
           </a:xfrm>
           <a:prstGeom prst="roundRect">
             <a:avLst/>
@@ -4728,11 +5271,11 @@
           </a:fontRef>
         </p:style>
         <p:txBody>
-          <a:bodyPr rtlCol="0" anchor="ctr" wrap="square" lIns="182880" rIns="182880" tIns="91440" bIns="91440"/>
+          <a:bodyPr rtlCol="0" anchor="ctr" wrap="square" lIns="137160" rIns="137160" tIns="91440"/>
           <a:lstStyle/>
           <a:p>
             <a:pPr algn="ctr">
-              <a:defRPr sz="1100">
+              <a:defRPr sz="1000">
                 <a:solidFill>
                   <a:srgbClr val="141414"/>
                 </a:solidFill>
@@ -4740,7 +5283,7 @@
               </a:defRPr>
             </a:pPr>
             <a:r>
-              <a:t>6. Інтегрувати Google Places API для актуальних даних про об'єкти</a:t>
+              <a:t>6. Google Places API інтеграція</a:t>
             </a:r>
           </a:p>
         </p:txBody>
@@ -4753,8 +5296,8 @@
         </p:nvSpPr>
         <p:spPr>
           <a:xfrm>
-            <a:off x="4754880" y="4206240"/>
-            <a:ext cx="3749039" cy="502920"/>
+            <a:off x="4754880" y="3840480"/>
+            <a:ext cx="3749039" cy="457200"/>
           </a:xfrm>
           <a:prstGeom prst="roundRect">
             <a:avLst/>
@@ -4783,11 +5326,11 @@
           </a:fontRef>
         </p:style>
         <p:txBody>
-          <a:bodyPr rtlCol="0" anchor="ctr" wrap="square" lIns="182880" rIns="182880" tIns="91440" bIns="91440"/>
+          <a:bodyPr rtlCol="0" anchor="ctr" wrap="square" lIns="137160" rIns="137160" tIns="91440"/>
           <a:lstStyle/>
           <a:p>
             <a:pPr algn="ctr">
-              <a:defRPr sz="1100">
+              <a:defRPr sz="1000">
                 <a:solidFill>
                   <a:srgbClr val="141414"/>
                 </a:solidFill>
@@ -4795,7 +5338,7 @@
               </a:defRPr>
             </a:pPr>
             <a:r>
-              <a:t>7. Розробити AI-асистента на базі Claude Sonnet для рекомендацій</a:t>
+              <a:t>7. AI-асистент Claude Sonnet</a:t>
             </a:r>
           </a:p>
         </p:txBody>
@@ -4808,8 +5351,8 @@
         </p:nvSpPr>
         <p:spPr>
           <a:xfrm>
-            <a:off x="4754880" y="4800600"/>
-            <a:ext cx="3749039" cy="502920"/>
+            <a:off x="4754880" y="4389120"/>
+            <a:ext cx="3749039" cy="457200"/>
           </a:xfrm>
           <a:prstGeom prst="roundRect">
             <a:avLst/>
@@ -4838,11 +5381,11 @@
           </a:fontRef>
         </p:style>
         <p:txBody>
-          <a:bodyPr rtlCol="0" anchor="ctr" wrap="square" lIns="182880" rIns="182880" tIns="91440" bIns="91440"/>
+          <a:bodyPr rtlCol="0" anchor="ctr" wrap="square" lIns="137160" rIns="137160" tIns="91440"/>
           <a:lstStyle/>
           <a:p>
             <a:pPr algn="ctr">
-              <a:defRPr sz="1100">
+              <a:defRPr sz="1000">
                 <a:solidFill>
                   <a:srgbClr val="141414"/>
                 </a:solidFill>
@@ -4850,7 +5393,7 @@
               </a:defRPr>
             </a:pPr>
             <a:r>
-              <a:t>8. Провести комплексне тестування системи</a:t>
+              <a:t>8. Комплексне тестування</a:t>
             </a:r>
           </a:p>
         </p:txBody>
@@ -4882,6 +5425,7 @@
                 <a:solidFill>
                   <a:srgbClr val="646464"/>
                 </a:solidFill>
+                <a:latin typeface="Arial"/>
               </a:defRPr>
             </a:pPr>
             <a:r>
@@ -4989,11 +5533,11 @@
           </a:fontRef>
         </p:style>
         <p:txBody>
-          <a:bodyPr rtlCol="0" anchor="ctr" wrap="square" lIns="182880" rIns="182880" tIns="91440" bIns="91440"/>
-          <a:lstStyle/>
-          <a:p>
-            <a:pPr algn="l">
-              <a:defRPr sz="2800" b="1">
+          <a:bodyPr rtlCol="0" anchor="ctr" wrap="square" lIns="137160" rIns="137160" tIns="91440"/>
+          <a:lstStyle/>
+          <a:p>
+            <a:pPr algn="ctr">
+              <a:defRPr sz="2600" b="1">
                 <a:solidFill>
                   <a:srgbClr val="FFFFFF"/>
                 </a:solidFill>
@@ -5037,6 +5581,13 @@
                     <a:bodyPr/>
                     <a:lstStyle/>
                     <a:p>
+                      <a:pPr>
+                        <a:defRPr b="1" sz="1000">
+                          <a:solidFill>
+                            <a:srgbClr val="10B981"/>
+                          </a:solidFill>
+                        </a:defRPr>
+                      </a:pPr>
                       <a:r>
                         <a:t>ПАРАМЕТР</a:t>
                       </a:r>
@@ -5053,6 +5604,13 @@
                     <a:bodyPr/>
                     <a:lstStyle/>
                     <a:p>
+                      <a:pPr>
+                        <a:defRPr b="1" sz="1000">
+                          <a:solidFill>
+                            <a:srgbClr val="10B981"/>
+                          </a:solidFill>
+                        </a:defRPr>
+                      </a:pPr>
                       <a:r>
                         <a:t>Google Maps</a:t>
                       </a:r>
@@ -5069,6 +5627,13 @@
                     <a:bodyPr/>
                     <a:lstStyle/>
                     <a:p>
+                      <a:pPr>
+                        <a:defRPr b="1" sz="1000">
+                          <a:solidFill>
+                            <a:srgbClr val="10B981"/>
+                          </a:solidFill>
+                        </a:defRPr>
+                      </a:pPr>
                       <a:r>
                         <a:t>TripAdvisor</a:t>
                       </a:r>
@@ -5085,8 +5650,15 @@
                     <a:bodyPr/>
                     <a:lstStyle/>
                     <a:p>
+                      <a:pPr>
+                        <a:defRPr b="1" sz="1000">
+                          <a:solidFill>
+                            <a:srgbClr val="10B981"/>
+                          </a:solidFill>
+                        </a:defRPr>
+                      </a:pPr>
                       <a:r>
-                        <a:t>Booking.com</a:t>
+                        <a:t>Booking</a:t>
                       </a:r>
                     </a:p>
                   </a:txBody>
@@ -5101,8 +5673,15 @@
                     <a:bodyPr/>
                     <a:lstStyle/>
                     <a:p>
+                      <a:pPr>
+                        <a:defRPr b="1" sz="1000">
+                          <a:solidFill>
+                            <a:srgbClr val="10B981"/>
+                          </a:solidFill>
+                        </a:defRPr>
+                      </a:pPr>
                       <a:r>
-                        <a:t>Наша Платформа</a:t>
+                        <a:t>Наша платформа</a:t>
                       </a:r>
                     </a:p>
                   </a:txBody>
@@ -5119,7 +5698,13 @@
                     <a:bodyPr/>
                     <a:lstStyle/>
                     <a:p>
-                      <a:pPr algn="ctr"/>
+                      <a:pPr algn="ctr">
+                        <a:defRPr sz="900">
+                          <a:solidFill>
+                            <a:srgbClr val="C8C8C8"/>
+                          </a:solidFill>
+                        </a:defRPr>
+                      </a:pPr>
                       <a:r>
                         <a:t>Інтерфейс</a:t>
                       </a:r>
@@ -5137,7 +5722,7 @@
                     <a:lstStyle/>
                     <a:p>
                       <a:pPr algn="ctr">
-                        <a:defRPr b="1" sz="1800">
+                        <a:defRPr sz="1600" b="1">
                           <a:solidFill>
                             <a:srgbClr val="10B981"/>
                           </a:solidFill>
@@ -5160,7 +5745,7 @@
                     <a:lstStyle/>
                     <a:p>
                       <a:pPr algn="ctr">
-                        <a:defRPr b="1" sz="1800">
+                        <a:defRPr sz="1600" b="1">
                           <a:solidFill>
                             <a:srgbClr val="10B981"/>
                           </a:solidFill>
@@ -5183,7 +5768,7 @@
                     <a:lstStyle/>
                     <a:p>
                       <a:pPr algn="ctr">
-                        <a:defRPr b="1" sz="1800">
+                        <a:defRPr sz="1600" b="1">
                           <a:solidFill>
                             <a:srgbClr val="10B981"/>
                           </a:solidFill>
@@ -5206,7 +5791,7 @@
                     <a:lstStyle/>
                     <a:p>
                       <a:pPr algn="ctr">
-                        <a:defRPr b="1" sz="1800">
+                        <a:defRPr sz="1600" b="1">
                           <a:solidFill>
                             <a:srgbClr val="10B981"/>
                           </a:solidFill>
@@ -5230,7 +5815,13 @@
                     <a:bodyPr/>
                     <a:lstStyle/>
                     <a:p>
-                      <a:pPr algn="ctr"/>
+                      <a:pPr algn="ctr">
+                        <a:defRPr sz="900">
+                          <a:solidFill>
+                            <a:srgbClr val="C8C8C8"/>
+                          </a:solidFill>
+                        </a:defRPr>
+                      </a:pPr>
                       <a:r>
                         <a:t>Кластерний аналіз</a:t>
                       </a:r>
@@ -5248,7 +5839,7 @@
                     <a:lstStyle/>
                     <a:p>
                       <a:pPr algn="ctr">
-                        <a:defRPr b="1" sz="1800">
+                        <a:defRPr sz="1600" b="1">
                           <a:solidFill>
                             <a:srgbClr val="EF4444"/>
                           </a:solidFill>
@@ -5271,7 +5862,7 @@
                     <a:lstStyle/>
                     <a:p>
                       <a:pPr algn="ctr">
-                        <a:defRPr b="1" sz="1800">
+                        <a:defRPr sz="1600" b="1">
                           <a:solidFill>
                             <a:srgbClr val="EF4444"/>
                           </a:solidFill>
@@ -5294,7 +5885,7 @@
                     <a:lstStyle/>
                     <a:p>
                       <a:pPr algn="ctr">
-                        <a:defRPr b="1" sz="1800">
+                        <a:defRPr sz="1600" b="1">
                           <a:solidFill>
                             <a:srgbClr val="EF4444"/>
                           </a:solidFill>
@@ -5317,7 +5908,7 @@
                     <a:lstStyle/>
                     <a:p>
                       <a:pPr algn="ctr">
-                        <a:defRPr b="1" sz="1800">
+                        <a:defRPr sz="1600" b="1">
                           <a:solidFill>
                             <a:srgbClr val="10B981"/>
                           </a:solidFill>
@@ -5341,7 +5932,13 @@
                     <a:bodyPr/>
                     <a:lstStyle/>
                     <a:p>
-                      <a:pPr algn="ctr"/>
+                      <a:pPr algn="ctr">
+                        <a:defRPr sz="900">
+                          <a:solidFill>
+                            <a:srgbClr val="C8C8C8"/>
+                          </a:solidFill>
+                        </a:defRPr>
+                      </a:pPr>
                       <a:r>
                         <a:t>Геопросторова аналітика</a:t>
                       </a:r>
@@ -5359,7 +5956,7 @@
                     <a:lstStyle/>
                     <a:p>
                       <a:pPr algn="ctr">
-                        <a:defRPr b="1" sz="1800">
+                        <a:defRPr sz="1600" b="1">
                           <a:solidFill>
                             <a:srgbClr val="EF4444"/>
                           </a:solidFill>
@@ -5382,7 +5979,7 @@
                     <a:lstStyle/>
                     <a:p>
                       <a:pPr algn="ctr">
-                        <a:defRPr b="1" sz="1800">
+                        <a:defRPr sz="1600" b="1">
                           <a:solidFill>
                             <a:srgbClr val="EF4444"/>
                           </a:solidFill>
@@ -5405,7 +6002,7 @@
                     <a:lstStyle/>
                     <a:p>
                       <a:pPr algn="ctr">
-                        <a:defRPr b="1" sz="1800">
+                        <a:defRPr sz="1600" b="1">
                           <a:solidFill>
                             <a:srgbClr val="EF4444"/>
                           </a:solidFill>
@@ -5428,7 +6025,7 @@
                     <a:lstStyle/>
                     <a:p>
                       <a:pPr algn="ctr">
-                        <a:defRPr b="1" sz="1800">
+                        <a:defRPr sz="1600" b="1">
                           <a:solidFill>
                             <a:srgbClr val="10B981"/>
                           </a:solidFill>
@@ -5452,7 +6049,13 @@
                     <a:bodyPr/>
                     <a:lstStyle/>
                     <a:p>
-                      <a:pPr algn="ctr"/>
+                      <a:pPr algn="ctr">
+                        <a:defRPr sz="900">
+                          <a:solidFill>
+                            <a:srgbClr val="C8C8C8"/>
+                          </a:solidFill>
+                        </a:defRPr>
+                      </a:pPr>
                       <a:r>
                         <a:t>AI-рекомендації</a:t>
                       </a:r>
@@ -5470,7 +6073,7 @@
                     <a:lstStyle/>
                     <a:p>
                       <a:pPr algn="ctr">
-                        <a:defRPr b="1" sz="1800">
+                        <a:defRPr sz="1600" b="1">
                           <a:solidFill>
                             <a:srgbClr val="EF4444"/>
                           </a:solidFill>
@@ -5493,7 +6096,7 @@
                     <a:lstStyle/>
                     <a:p>
                       <a:pPr algn="ctr">
-                        <a:defRPr b="1" sz="1800">
+                        <a:defRPr sz="1600" b="1">
                           <a:solidFill>
                             <a:srgbClr val="F59E0B"/>
                           </a:solidFill>
@@ -5516,7 +6119,7 @@
                     <a:lstStyle/>
                     <a:p>
                       <a:pPr algn="ctr">
-                        <a:defRPr b="1" sz="1800">
+                        <a:defRPr sz="1600" b="1">
                           <a:solidFill>
                             <a:srgbClr val="F59E0B"/>
                           </a:solidFill>
@@ -5539,7 +6142,7 @@
                     <a:lstStyle/>
                     <a:p>
                       <a:pPr algn="ctr">
-                        <a:defRPr b="1" sz="1800">
+                        <a:defRPr sz="1600" b="1">
                           <a:solidFill>
                             <a:srgbClr val="10B981"/>
                           </a:solidFill>
@@ -5588,10 +6191,2929 @@
                 <a:solidFill>
                   <a:srgbClr val="646464"/>
                 </a:solidFill>
+                <a:latin typeface="Arial"/>
               </a:defRPr>
             </a:pPr>
             <a:r>
               <a:t>5 / 11</a:t>
+            </a:r>
+          </a:p>
+        </p:txBody>
+      </p:sp>
+    </p:spTree>
+  </p:cSld>
+  <p:clrMapOvr>
+    <a:masterClrMapping/>
+  </p:clrMapOvr>
+</p:sld>
+</file>
+
+<file path=ppt/slides/slide6.xml><?xml version="1.0" encoding="utf-8"?>
+<p:sld xmlns:a="http://schemas.openxmlformats.org/drawingml/2006/main" xmlns:p="http://schemas.openxmlformats.org/presentationml/2006/main" xmlns:r="http://schemas.openxmlformats.org/officeDocument/2006/relationships">
+  <p:cSld>
+    <p:spTree>
+      <p:nvGrpSpPr>
+        <p:cNvPr id="1" name=""/>
+        <p:cNvGrpSpPr/>
+        <p:nvPr/>
+      </p:nvGrpSpPr>
+      <p:grpSpPr/>
+      <p:sp>
+        <p:nvSpPr>
+          <p:cNvPr id="2" name="Rectangle 1"/>
+          <p:cNvSpPr/>
+          <p:nvPr/>
+        </p:nvSpPr>
+        <p:spPr>
+          <a:xfrm>
+            <a:off x="0" y="0"/>
+            <a:ext cx="9144000" cy="6858000"/>
+          </a:xfrm>
+          <a:prstGeom prst="rect">
+            <a:avLst/>
+          </a:prstGeom>
+          <a:solidFill>
+            <a:srgbClr val="1A1A1A"/>
+          </a:solidFill>
+          <a:ln>
+            <a:noFill/>
+          </a:ln>
+        </p:spPr>
+        <p:style>
+          <a:lnRef idx="1">
+            <a:schemeClr val="accent1"/>
+          </a:lnRef>
+          <a:fillRef idx="3">
+            <a:schemeClr val="accent1"/>
+          </a:fillRef>
+          <a:effectRef idx="2">
+            <a:schemeClr val="accent1"/>
+          </a:effectRef>
+          <a:fontRef idx="minor">
+            <a:schemeClr val="lt1"/>
+          </a:fontRef>
+        </p:style>
+        <p:txBody>
+          <a:bodyPr rtlCol="0" anchor="ctr"/>
+          <a:lstStyle/>
+          <a:p>
+            <a:pPr algn="ctr"/>
+          </a:p>
+        </p:txBody>
+      </p:sp>
+      <p:sp>
+        <p:nvSpPr>
+          <p:cNvPr id="3" name="Rounded Rectangle 2"/>
+          <p:cNvSpPr/>
+          <p:nvPr/>
+        </p:nvSpPr>
+        <p:spPr>
+          <a:xfrm>
+            <a:off x="457200" y="274320"/>
+            <a:ext cx="8229600" cy="548640"/>
+          </a:xfrm>
+          <a:prstGeom prst="roundRect">
+            <a:avLst/>
+          </a:prstGeom>
+          <a:solidFill>
+            <a:srgbClr val="10B981"/>
+          </a:solidFill>
+          <a:ln w="25400">
+            <a:solidFill>
+              <a:srgbClr val="10B981"/>
+            </a:solidFill>
+          </a:ln>
+        </p:spPr>
+        <p:style>
+          <a:lnRef idx="1">
+            <a:schemeClr val="accent1"/>
+          </a:lnRef>
+          <a:fillRef idx="3">
+            <a:schemeClr val="accent1"/>
+          </a:fillRef>
+          <a:effectRef idx="2">
+            <a:schemeClr val="accent1"/>
+          </a:effectRef>
+          <a:fontRef idx="minor">
+            <a:schemeClr val="lt1"/>
+          </a:fontRef>
+        </p:style>
+        <p:txBody>
+          <a:bodyPr rtlCol="0" anchor="ctr" wrap="square" lIns="137160" rIns="137160" tIns="91440"/>
+          <a:lstStyle/>
+          <a:p>
+            <a:pPr algn="ctr">
+              <a:defRPr sz="2600" b="1">
+                <a:solidFill>
+                  <a:srgbClr val="FFFFFF"/>
+                </a:solidFill>
+                <a:latin typeface="Arial"/>
+              </a:defRPr>
+            </a:pPr>
+            <a:r>
+              <a:t>ПРОБЛЕМИ ТА РІШЕННЯ</a:t>
+            </a:r>
+          </a:p>
+        </p:txBody>
+      </p:sp>
+      <p:sp>
+        <p:nvSpPr>
+          <p:cNvPr id="4" name="Rounded Rectangle 3"/>
+          <p:cNvSpPr/>
+          <p:nvPr/>
+        </p:nvSpPr>
+        <p:spPr>
+          <a:xfrm>
+            <a:off x="640080" y="1188720"/>
+            <a:ext cx="3657600" cy="365760"/>
+          </a:xfrm>
+          <a:prstGeom prst="roundRect">
+            <a:avLst/>
+          </a:prstGeom>
+          <a:solidFill>
+            <a:srgbClr val="8B0000"/>
+          </a:solidFill>
+          <a:ln w="25400">
+            <a:solidFill>
+              <a:srgbClr val="10B981"/>
+            </a:solidFill>
+          </a:ln>
+        </p:spPr>
+        <p:style>
+          <a:lnRef idx="1">
+            <a:schemeClr val="accent1"/>
+          </a:lnRef>
+          <a:fillRef idx="3">
+            <a:schemeClr val="accent1"/>
+          </a:fillRef>
+          <a:effectRef idx="2">
+            <a:schemeClr val="accent1"/>
+          </a:effectRef>
+          <a:fontRef idx="minor">
+            <a:schemeClr val="lt1"/>
+          </a:fontRef>
+        </p:style>
+        <p:txBody>
+          <a:bodyPr rtlCol="0" anchor="ctr" wrap="square" lIns="137160" rIns="137160" tIns="91440"/>
+          <a:lstStyle/>
+          <a:p>
+            <a:pPr algn="ctr">
+              <a:defRPr sz="1300" b="1">
+                <a:solidFill>
+                  <a:srgbClr val="FFFFFF"/>
+                </a:solidFill>
+                <a:latin typeface="Arial"/>
+              </a:defRPr>
+            </a:pPr>
+            <a:r>
+              <a:t>❌ ПРОБЛЕМИ</a:t>
+            </a:r>
+          </a:p>
+        </p:txBody>
+      </p:sp>
+      <p:sp>
+        <p:nvSpPr>
+          <p:cNvPr id="5" name="Rounded Rectangle 4"/>
+          <p:cNvSpPr/>
+          <p:nvPr/>
+        </p:nvSpPr>
+        <p:spPr>
+          <a:xfrm>
+            <a:off x="640080" y="1645920"/>
+            <a:ext cx="3657600" cy="594360"/>
+          </a:xfrm>
+          <a:prstGeom prst="roundRect">
+            <a:avLst/>
+          </a:prstGeom>
+          <a:solidFill>
+            <a:srgbClr val="3C3C3C"/>
+          </a:solidFill>
+          <a:ln w="25400">
+            <a:solidFill>
+              <a:srgbClr val="10B981"/>
+            </a:solidFill>
+          </a:ln>
+        </p:spPr>
+        <p:style>
+          <a:lnRef idx="1">
+            <a:schemeClr val="accent1"/>
+          </a:lnRef>
+          <a:fillRef idx="3">
+            <a:schemeClr val="accent1"/>
+          </a:fillRef>
+          <a:effectRef idx="2">
+            <a:schemeClr val="accent1"/>
+          </a:effectRef>
+          <a:fontRef idx="minor">
+            <a:schemeClr val="lt1"/>
+          </a:fontRef>
+        </p:style>
+        <p:txBody>
+          <a:bodyPr rtlCol="0" anchor="ctr" wrap="square" lIns="137160" rIns="137160" tIns="91440"/>
+          <a:lstStyle/>
+          <a:p>
+            <a:pPr algn="ctr">
+              <a:defRPr sz="1000">
+                <a:solidFill>
+                  <a:srgbClr val="C8C8C8"/>
+                </a:solidFill>
+                <a:latin typeface="Arial"/>
+              </a:defRPr>
+            </a:pPr>
+            <a:r>
+              <a:t>Відсутність комплексного аналізу</a:t>
+            </a:r>
+          </a:p>
+        </p:txBody>
+      </p:sp>
+      <p:sp>
+        <p:nvSpPr>
+          <p:cNvPr id="6" name="Rounded Rectangle 5"/>
+          <p:cNvSpPr/>
+          <p:nvPr/>
+        </p:nvSpPr>
+        <p:spPr>
+          <a:xfrm>
+            <a:off x="640080" y="2331720"/>
+            <a:ext cx="3657600" cy="594360"/>
+          </a:xfrm>
+          <a:prstGeom prst="roundRect">
+            <a:avLst/>
+          </a:prstGeom>
+          <a:solidFill>
+            <a:srgbClr val="3C3C3C"/>
+          </a:solidFill>
+          <a:ln w="25400">
+            <a:solidFill>
+              <a:srgbClr val="10B981"/>
+            </a:solidFill>
+          </a:ln>
+        </p:spPr>
+        <p:style>
+          <a:lnRef idx="1">
+            <a:schemeClr val="accent1"/>
+          </a:lnRef>
+          <a:fillRef idx="3">
+            <a:schemeClr val="accent1"/>
+          </a:fillRef>
+          <a:effectRef idx="2">
+            <a:schemeClr val="accent1"/>
+          </a:effectRef>
+          <a:fontRef idx="minor">
+            <a:schemeClr val="lt1"/>
+          </a:fontRef>
+        </p:style>
+        <p:txBody>
+          <a:bodyPr rtlCol="0" anchor="ctr" wrap="square" lIns="137160" rIns="137160" tIns="91440"/>
+          <a:lstStyle/>
+          <a:p>
+            <a:pPr algn="ctr">
+              <a:defRPr sz="1000">
+                <a:solidFill>
+                  <a:srgbClr val="C8C8C8"/>
+                </a:solidFill>
+                <a:latin typeface="Arial"/>
+              </a:defRPr>
+            </a:pPr>
+            <a:r>
+              <a:t>Неможливість виявлення закономірностей</a:t>
+            </a:r>
+          </a:p>
+        </p:txBody>
+      </p:sp>
+      <p:sp>
+        <p:nvSpPr>
+          <p:cNvPr id="7" name="Rounded Rectangle 6"/>
+          <p:cNvSpPr/>
+          <p:nvPr/>
+        </p:nvSpPr>
+        <p:spPr>
+          <a:xfrm>
+            <a:off x="640080" y="3017520"/>
+            <a:ext cx="3657600" cy="594360"/>
+          </a:xfrm>
+          <a:prstGeom prst="roundRect">
+            <a:avLst/>
+          </a:prstGeom>
+          <a:solidFill>
+            <a:srgbClr val="3C3C3C"/>
+          </a:solidFill>
+          <a:ln w="25400">
+            <a:solidFill>
+              <a:srgbClr val="10B981"/>
+            </a:solidFill>
+          </a:ln>
+        </p:spPr>
+        <p:style>
+          <a:lnRef idx="1">
+            <a:schemeClr val="accent1"/>
+          </a:lnRef>
+          <a:fillRef idx="3">
+            <a:schemeClr val="accent1"/>
+          </a:fillRef>
+          <a:effectRef idx="2">
+            <a:schemeClr val="accent1"/>
+          </a:effectRef>
+          <a:fontRef idx="minor">
+            <a:schemeClr val="lt1"/>
+          </a:fontRef>
+        </p:style>
+        <p:txBody>
+          <a:bodyPr rtlCol="0" anchor="ctr" wrap="square" lIns="137160" rIns="137160" tIns="91440"/>
+          <a:lstStyle/>
+          <a:p>
+            <a:pPr algn="ctr">
+              <a:defRPr sz="1000">
+                <a:solidFill>
+                  <a:srgbClr val="C8C8C8"/>
+                </a:solidFill>
+                <a:latin typeface="Arial"/>
+              </a:defRPr>
+            </a:pPr>
+            <a:r>
+              <a:t>Відсутність наукових метрик</a:t>
+            </a:r>
+          </a:p>
+        </p:txBody>
+      </p:sp>
+      <p:sp>
+        <p:nvSpPr>
+          <p:cNvPr id="8" name="Rounded Rectangle 7"/>
+          <p:cNvSpPr/>
+          <p:nvPr/>
+        </p:nvSpPr>
+        <p:spPr>
+          <a:xfrm>
+            <a:off x="640080" y="3703320"/>
+            <a:ext cx="3657600" cy="594360"/>
+          </a:xfrm>
+          <a:prstGeom prst="roundRect">
+            <a:avLst/>
+          </a:prstGeom>
+          <a:solidFill>
+            <a:srgbClr val="3C3C3C"/>
+          </a:solidFill>
+          <a:ln w="25400">
+            <a:solidFill>
+              <a:srgbClr val="10B981"/>
+            </a:solidFill>
+          </a:ln>
+        </p:spPr>
+        <p:style>
+          <a:lnRef idx="1">
+            <a:schemeClr val="accent1"/>
+          </a:lnRef>
+          <a:fillRef idx="3">
+            <a:schemeClr val="accent1"/>
+          </a:fillRef>
+          <a:effectRef idx="2">
+            <a:schemeClr val="accent1"/>
+          </a:effectRef>
+          <a:fontRef idx="minor">
+            <a:schemeClr val="lt1"/>
+          </a:fontRef>
+        </p:style>
+        <p:txBody>
+          <a:bodyPr rtlCol="0" anchor="ctr" wrap="square" lIns="137160" rIns="137160" tIns="91440"/>
+          <a:lstStyle/>
+          <a:p>
+            <a:pPr algn="ctr">
+              <a:defRPr sz="1000">
+                <a:solidFill>
+                  <a:srgbClr val="C8C8C8"/>
+                </a:solidFill>
+                <a:latin typeface="Arial"/>
+              </a:defRPr>
+            </a:pPr>
+            <a:r>
+              <a:t>Неточні межі районів</a:t>
+            </a:r>
+          </a:p>
+        </p:txBody>
+      </p:sp>
+      <p:sp>
+        <p:nvSpPr>
+          <p:cNvPr id="9" name="Rounded Rectangle 8"/>
+          <p:cNvSpPr/>
+          <p:nvPr/>
+        </p:nvSpPr>
+        <p:spPr>
+          <a:xfrm>
+            <a:off x="4754880" y="1188720"/>
+            <a:ext cx="3657600" cy="365760"/>
+          </a:xfrm>
+          <a:prstGeom prst="roundRect">
+            <a:avLst/>
+          </a:prstGeom>
+          <a:solidFill>
+            <a:srgbClr val="10B981"/>
+          </a:solidFill>
+          <a:ln w="25400">
+            <a:solidFill>
+              <a:srgbClr val="10B981"/>
+            </a:solidFill>
+          </a:ln>
+        </p:spPr>
+        <p:style>
+          <a:lnRef idx="1">
+            <a:schemeClr val="accent1"/>
+          </a:lnRef>
+          <a:fillRef idx="3">
+            <a:schemeClr val="accent1"/>
+          </a:fillRef>
+          <a:effectRef idx="2">
+            <a:schemeClr val="accent1"/>
+          </a:effectRef>
+          <a:fontRef idx="minor">
+            <a:schemeClr val="lt1"/>
+          </a:fontRef>
+        </p:style>
+        <p:txBody>
+          <a:bodyPr rtlCol="0" anchor="ctr" wrap="square" lIns="137160" rIns="137160" tIns="91440"/>
+          <a:lstStyle/>
+          <a:p>
+            <a:pPr algn="ctr">
+              <a:defRPr sz="1300" b="1">
+                <a:solidFill>
+                  <a:srgbClr val="FFFFFF"/>
+                </a:solidFill>
+                <a:latin typeface="Arial"/>
+              </a:defRPr>
+            </a:pPr>
+            <a:r>
+              <a:t>✓ РІШЕННЯ</a:t>
+            </a:r>
+          </a:p>
+        </p:txBody>
+      </p:sp>
+      <p:sp>
+        <p:nvSpPr>
+          <p:cNvPr id="10" name="Rounded Rectangle 9"/>
+          <p:cNvSpPr/>
+          <p:nvPr/>
+        </p:nvSpPr>
+        <p:spPr>
+          <a:xfrm>
+            <a:off x="4754880" y="1645920"/>
+            <a:ext cx="3657600" cy="594360"/>
+          </a:xfrm>
+          <a:prstGeom prst="roundRect">
+            <a:avLst/>
+          </a:prstGeom>
+          <a:solidFill>
+            <a:srgbClr val="DCFCE7"/>
+          </a:solidFill>
+          <a:ln w="25400">
+            <a:solidFill>
+              <a:srgbClr val="10B981"/>
+            </a:solidFill>
+          </a:ln>
+        </p:spPr>
+        <p:style>
+          <a:lnRef idx="1">
+            <a:schemeClr val="accent1"/>
+          </a:lnRef>
+          <a:fillRef idx="3">
+            <a:schemeClr val="accent1"/>
+          </a:fillRef>
+          <a:effectRef idx="2">
+            <a:schemeClr val="accent1"/>
+          </a:effectRef>
+          <a:fontRef idx="minor">
+            <a:schemeClr val="lt1"/>
+          </a:fontRef>
+        </p:style>
+        <p:txBody>
+          <a:bodyPr rtlCol="0" anchor="ctr" wrap="square" lIns="137160" rIns="137160" tIns="91440"/>
+          <a:lstStyle/>
+          <a:p>
+            <a:pPr algn="ctr">
+              <a:defRPr sz="1000">
+                <a:solidFill>
+                  <a:srgbClr val="141414"/>
+                </a:solidFill>
+                <a:latin typeface="Arial"/>
+              </a:defRPr>
+            </a:pPr>
+            <a:r>
+              <a:t>K-means кластеризація 1,864 об'єктів</a:t>
+            </a:r>
+          </a:p>
+        </p:txBody>
+      </p:sp>
+      <p:sp>
+        <p:nvSpPr>
+          <p:cNvPr id="11" name="Rounded Rectangle 10"/>
+          <p:cNvSpPr/>
+          <p:nvPr/>
+        </p:nvSpPr>
+        <p:spPr>
+          <a:xfrm>
+            <a:off x="4754880" y="2331720"/>
+            <a:ext cx="3657600" cy="594360"/>
+          </a:xfrm>
+          <a:prstGeom prst="roundRect">
+            <a:avLst/>
+          </a:prstGeom>
+          <a:solidFill>
+            <a:srgbClr val="DCFCE7"/>
+          </a:solidFill>
+          <a:ln w="25400">
+            <a:solidFill>
+              <a:srgbClr val="10B981"/>
+            </a:solidFill>
+          </a:ln>
+        </p:spPr>
+        <p:style>
+          <a:lnRef idx="1">
+            <a:schemeClr val="accent1"/>
+          </a:lnRef>
+          <a:fillRef idx="3">
+            <a:schemeClr val="accent1"/>
+          </a:fillRef>
+          <a:effectRef idx="2">
+            <a:schemeClr val="accent1"/>
+          </a:effectRef>
+          <a:fontRef idx="minor">
+            <a:schemeClr val="lt1"/>
+          </a:fontRef>
+        </p:style>
+        <p:txBody>
+          <a:bodyPr rtlCol="0" anchor="ctr" wrap="square" lIns="137160" rIns="137160" tIns="91440"/>
+          <a:lstStyle/>
+          <a:p>
+            <a:pPr algn="ctr">
+              <a:defRPr sz="1000">
+                <a:solidFill>
+                  <a:srgbClr val="141414"/>
+                </a:solidFill>
+                <a:latin typeface="Arial"/>
+              </a:defRPr>
+            </a:pPr>
+            <a:r>
+              <a:t>Інтерактивна карта з GeoJSON</a:t>
+            </a:r>
+          </a:p>
+        </p:txBody>
+      </p:sp>
+      <p:sp>
+        <p:nvSpPr>
+          <p:cNvPr id="12" name="Rounded Rectangle 11"/>
+          <p:cNvSpPr/>
+          <p:nvPr/>
+        </p:nvSpPr>
+        <p:spPr>
+          <a:xfrm>
+            <a:off x="4754880" y="3017520"/>
+            <a:ext cx="3657600" cy="594360"/>
+          </a:xfrm>
+          <a:prstGeom prst="roundRect">
+            <a:avLst/>
+          </a:prstGeom>
+          <a:solidFill>
+            <a:srgbClr val="DCFCE7"/>
+          </a:solidFill>
+          <a:ln w="25400">
+            <a:solidFill>
+              <a:srgbClr val="10B981"/>
+            </a:solidFill>
+          </a:ln>
+        </p:spPr>
+        <p:style>
+          <a:lnRef idx="1">
+            <a:schemeClr val="accent1"/>
+          </a:lnRef>
+          <a:fillRef idx="3">
+            <a:schemeClr val="accent1"/>
+          </a:fillRef>
+          <a:effectRef idx="2">
+            <a:schemeClr val="accent1"/>
+          </a:effectRef>
+          <a:fontRef idx="minor">
+            <a:schemeClr val="lt1"/>
+          </a:fontRef>
+        </p:style>
+        <p:txBody>
+          <a:bodyPr rtlCol="0" anchor="ctr" wrap="square" lIns="137160" rIns="137160" tIns="91440"/>
+          <a:lstStyle/>
+          <a:p>
+            <a:pPr algn="ctr">
+              <a:defRPr sz="1000">
+                <a:solidFill>
+                  <a:srgbClr val="141414"/>
+                </a:solidFill>
+                <a:latin typeface="Arial"/>
+              </a:defRPr>
+            </a:pPr>
+            <a:r>
+              <a:t>Silhouette 0.693, Davies-Bouldin 0.62</a:t>
+            </a:r>
+          </a:p>
+        </p:txBody>
+      </p:sp>
+      <p:sp>
+        <p:nvSpPr>
+          <p:cNvPr id="13" name="Rounded Rectangle 12"/>
+          <p:cNvSpPr/>
+          <p:nvPr/>
+        </p:nvSpPr>
+        <p:spPr>
+          <a:xfrm>
+            <a:off x="4754880" y="3703320"/>
+            <a:ext cx="3657600" cy="594360"/>
+          </a:xfrm>
+          <a:prstGeom prst="roundRect">
+            <a:avLst/>
+          </a:prstGeom>
+          <a:solidFill>
+            <a:srgbClr val="DCFCE7"/>
+          </a:solidFill>
+          <a:ln w="25400">
+            <a:solidFill>
+              <a:srgbClr val="10B981"/>
+            </a:solidFill>
+          </a:ln>
+        </p:spPr>
+        <p:style>
+          <a:lnRef idx="1">
+            <a:schemeClr val="accent1"/>
+          </a:lnRef>
+          <a:fillRef idx="3">
+            <a:schemeClr val="accent1"/>
+          </a:fillRef>
+          <a:effectRef idx="2">
+            <a:schemeClr val="accent1"/>
+          </a:effectRef>
+          <a:fontRef idx="minor">
+            <a:schemeClr val="lt1"/>
+          </a:fontRef>
+        </p:style>
+        <p:txBody>
+          <a:bodyPr rtlCol="0" anchor="ctr" wrap="square" lIns="137160" rIns="137160" tIns="91440"/>
+          <a:lstStyle/>
+          <a:p>
+            <a:pPr algn="ctr">
+              <a:defRPr sz="1000">
+                <a:solidFill>
+                  <a:srgbClr val="141414"/>
+                </a:solidFill>
+                <a:latin typeface="Arial"/>
+              </a:defRPr>
+            </a:pPr>
+            <a:r>
+              <a:t>Точні дані з OSM</a:t>
+            </a:r>
+          </a:p>
+        </p:txBody>
+      </p:sp>
+      <p:sp>
+        <p:nvSpPr>
+          <p:cNvPr id="14" name="TextBox 13"/>
+          <p:cNvSpPr txBox="1"/>
+          <p:nvPr/>
+        </p:nvSpPr>
+        <p:spPr>
+          <a:xfrm>
+            <a:off x="7772400" y="6309360"/>
+            <a:ext cx="914400" cy="274320"/>
+          </a:xfrm>
+          <a:prstGeom prst="rect">
+            <a:avLst/>
+          </a:prstGeom>
+          <a:noFill/>
+        </p:spPr>
+        <p:txBody>
+          <a:bodyPr wrap="none">
+            <a:spAutoFit/>
+          </a:bodyPr>
+          <a:lstStyle/>
+          <a:p>
+            <a:pPr algn="r">
+              <a:defRPr sz="1200">
+                <a:solidFill>
+                  <a:srgbClr val="646464"/>
+                </a:solidFill>
+                <a:latin typeface="Arial"/>
+              </a:defRPr>
+            </a:pPr>
+            <a:r>
+              <a:t>6 / 11</a:t>
+            </a:r>
+          </a:p>
+        </p:txBody>
+      </p:sp>
+    </p:spTree>
+  </p:cSld>
+  <p:clrMapOvr>
+    <a:masterClrMapping/>
+  </p:clrMapOvr>
+</p:sld>
+</file>
+
+<file path=ppt/slides/slide7.xml><?xml version="1.0" encoding="utf-8"?>
+<p:sld xmlns:a="http://schemas.openxmlformats.org/drawingml/2006/main" xmlns:p="http://schemas.openxmlformats.org/presentationml/2006/main" xmlns:r="http://schemas.openxmlformats.org/officeDocument/2006/relationships">
+  <p:cSld>
+    <p:spTree>
+      <p:nvGrpSpPr>
+        <p:cNvPr id="1" name=""/>
+        <p:cNvGrpSpPr/>
+        <p:nvPr/>
+      </p:nvGrpSpPr>
+      <p:grpSpPr/>
+      <p:sp>
+        <p:nvSpPr>
+          <p:cNvPr id="2" name="Rectangle 1"/>
+          <p:cNvSpPr/>
+          <p:nvPr/>
+        </p:nvSpPr>
+        <p:spPr>
+          <a:xfrm>
+            <a:off x="0" y="0"/>
+            <a:ext cx="9144000" cy="6858000"/>
+          </a:xfrm>
+          <a:prstGeom prst="rect">
+            <a:avLst/>
+          </a:prstGeom>
+          <a:solidFill>
+            <a:srgbClr val="1A1A1A"/>
+          </a:solidFill>
+          <a:ln>
+            <a:noFill/>
+          </a:ln>
+        </p:spPr>
+        <p:style>
+          <a:lnRef idx="1">
+            <a:schemeClr val="accent1"/>
+          </a:lnRef>
+          <a:fillRef idx="3">
+            <a:schemeClr val="accent1"/>
+          </a:fillRef>
+          <a:effectRef idx="2">
+            <a:schemeClr val="accent1"/>
+          </a:effectRef>
+          <a:fontRef idx="minor">
+            <a:schemeClr val="lt1"/>
+          </a:fontRef>
+        </p:style>
+        <p:txBody>
+          <a:bodyPr rtlCol="0" anchor="ctr"/>
+          <a:lstStyle/>
+          <a:p>
+            <a:pPr algn="ctr"/>
+          </a:p>
+        </p:txBody>
+      </p:sp>
+      <p:sp>
+        <p:nvSpPr>
+          <p:cNvPr id="3" name="Rounded Rectangle 2"/>
+          <p:cNvSpPr/>
+          <p:nvPr/>
+        </p:nvSpPr>
+        <p:spPr>
+          <a:xfrm>
+            <a:off x="457200" y="274320"/>
+            <a:ext cx="8229600" cy="548640"/>
+          </a:xfrm>
+          <a:prstGeom prst="roundRect">
+            <a:avLst/>
+          </a:prstGeom>
+          <a:solidFill>
+            <a:srgbClr val="10B981"/>
+          </a:solidFill>
+          <a:ln w="25400">
+            <a:solidFill>
+              <a:srgbClr val="10B981"/>
+            </a:solidFill>
+          </a:ln>
+        </p:spPr>
+        <p:style>
+          <a:lnRef idx="1">
+            <a:schemeClr val="accent1"/>
+          </a:lnRef>
+          <a:fillRef idx="3">
+            <a:schemeClr val="accent1"/>
+          </a:fillRef>
+          <a:effectRef idx="2">
+            <a:schemeClr val="accent1"/>
+          </a:effectRef>
+          <a:fontRef idx="minor">
+            <a:schemeClr val="lt1"/>
+          </a:fontRef>
+        </p:style>
+        <p:txBody>
+          <a:bodyPr rtlCol="0" anchor="ctr" wrap="square" lIns="137160" rIns="137160" tIns="91440"/>
+          <a:lstStyle/>
+          <a:p>
+            <a:pPr algn="ctr">
+              <a:defRPr sz="2600" b="1">
+                <a:solidFill>
+                  <a:srgbClr val="FFFFFF"/>
+                </a:solidFill>
+                <a:latin typeface="Arial"/>
+              </a:defRPr>
+            </a:pPr>
+            <a:r>
+              <a:t>РЕАЛІЗАЦІЯ</a:t>
+            </a:r>
+          </a:p>
+        </p:txBody>
+      </p:sp>
+      <p:sp>
+        <p:nvSpPr>
+          <p:cNvPr id="4" name="Rounded Rectangle 3"/>
+          <p:cNvSpPr/>
+          <p:nvPr/>
+        </p:nvSpPr>
+        <p:spPr>
+          <a:xfrm>
+            <a:off x="640080" y="1188720"/>
+            <a:ext cx="457200" cy="457200"/>
+          </a:xfrm>
+          <a:prstGeom prst="roundRect">
+            <a:avLst/>
+          </a:prstGeom>
+          <a:solidFill>
+            <a:srgbClr val="10B981"/>
+          </a:solidFill>
+          <a:ln w="25400">
+            <a:solidFill>
+              <a:srgbClr val="10B981"/>
+            </a:solidFill>
+          </a:ln>
+        </p:spPr>
+        <p:style>
+          <a:lnRef idx="1">
+            <a:schemeClr val="accent1"/>
+          </a:lnRef>
+          <a:fillRef idx="3">
+            <a:schemeClr val="accent1"/>
+          </a:fillRef>
+          <a:effectRef idx="2">
+            <a:schemeClr val="accent1"/>
+          </a:effectRef>
+          <a:fontRef idx="minor">
+            <a:schemeClr val="lt1"/>
+          </a:fontRef>
+        </p:style>
+        <p:txBody>
+          <a:bodyPr rtlCol="0" anchor="ctr" wrap="square" lIns="137160" rIns="137160" tIns="91440"/>
+          <a:lstStyle/>
+          <a:p>
+            <a:pPr algn="ctr">
+              <a:defRPr sz="1800" b="1">
+                <a:solidFill>
+                  <a:srgbClr val="FFFFFF"/>
+                </a:solidFill>
+                <a:latin typeface="Arial"/>
+              </a:defRPr>
+            </a:pPr>
+            <a:r>
+              <a:t>1</a:t>
+            </a:r>
+          </a:p>
+        </p:txBody>
+      </p:sp>
+      <p:sp>
+        <p:nvSpPr>
+          <p:cNvPr id="5" name="Rounded Rectangle 4"/>
+          <p:cNvSpPr/>
+          <p:nvPr/>
+        </p:nvSpPr>
+        <p:spPr>
+          <a:xfrm>
+            <a:off x="1280160" y="1188720"/>
+            <a:ext cx="3657600" cy="914400"/>
+          </a:xfrm>
+          <a:prstGeom prst="roundRect">
+            <a:avLst/>
+          </a:prstGeom>
+          <a:solidFill>
+            <a:srgbClr val="3C3C3C"/>
+          </a:solidFill>
+          <a:ln w="25400">
+            <a:solidFill>
+              <a:srgbClr val="10B981"/>
+            </a:solidFill>
+          </a:ln>
+        </p:spPr>
+        <p:style>
+          <a:lnRef idx="1">
+            <a:schemeClr val="accent1"/>
+          </a:lnRef>
+          <a:fillRef idx="3">
+            <a:schemeClr val="accent1"/>
+          </a:fillRef>
+          <a:effectRef idx="2">
+            <a:schemeClr val="accent1"/>
+          </a:effectRef>
+          <a:fontRef idx="minor">
+            <a:schemeClr val="lt1"/>
+          </a:fontRef>
+        </p:style>
+        <p:txBody>
+          <a:bodyPr rtlCol="0" anchor="ctr" wrap="square" lIns="137160" rIns="137160" tIns="91440"/>
+          <a:lstStyle/>
+          <a:p>
+            <a:pPr algn="ctr">
+              <a:defRPr sz="1100" b="1">
+                <a:solidFill>
+                  <a:srgbClr val="10B981"/>
+                </a:solidFill>
+                <a:latin typeface="Arial"/>
+              </a:defRPr>
+            </a:pPr>
+            <a:r>
+              <a:t>BACKEND</a:t>
+            </a:r>
+            <a:br/>
+            <a:r>
+              <a:t>FastAPI • Python • MongoDB</a:t>
+            </a:r>
+          </a:p>
+        </p:txBody>
+      </p:sp>
+      <p:sp>
+        <p:nvSpPr>
+          <p:cNvPr id="6" name="Rounded Rectangle 5"/>
+          <p:cNvSpPr/>
+          <p:nvPr/>
+        </p:nvSpPr>
+        <p:spPr>
+          <a:xfrm>
+            <a:off x="5120640" y="1188720"/>
+            <a:ext cx="3383280" cy="914400"/>
+          </a:xfrm>
+          <a:prstGeom prst="roundRect">
+            <a:avLst/>
+          </a:prstGeom>
+          <a:solidFill>
+            <a:srgbClr val="DCFCE7"/>
+          </a:solidFill>
+          <a:ln w="25400">
+            <a:solidFill>
+              <a:srgbClr val="10B981"/>
+            </a:solidFill>
+          </a:ln>
+        </p:spPr>
+        <p:style>
+          <a:lnRef idx="1">
+            <a:schemeClr val="accent1"/>
+          </a:lnRef>
+          <a:fillRef idx="3">
+            <a:schemeClr val="accent1"/>
+          </a:fillRef>
+          <a:effectRef idx="2">
+            <a:schemeClr val="accent1"/>
+          </a:effectRef>
+          <a:fontRef idx="minor">
+            <a:schemeClr val="lt1"/>
+          </a:fontRef>
+        </p:style>
+        <p:txBody>
+          <a:bodyPr rtlCol="0" anchor="ctr" wrap="square" lIns="137160" rIns="137160" tIns="91440"/>
+          <a:lstStyle/>
+          <a:p>
+            <a:pPr algn="ctr">
+              <a:defRPr sz="900">
+                <a:solidFill>
+                  <a:srgbClr val="141414"/>
+                </a:solidFill>
+                <a:latin typeface="Arial"/>
+              </a:defRPr>
+            </a:pPr>
+            <a:r>
+              <a:t>RESTful API • Async • Scikit-learn</a:t>
+            </a:r>
+          </a:p>
+        </p:txBody>
+      </p:sp>
+      <p:sp>
+        <p:nvSpPr>
+          <p:cNvPr id="7" name="Rounded Rectangle 6"/>
+          <p:cNvSpPr/>
+          <p:nvPr/>
+        </p:nvSpPr>
+        <p:spPr>
+          <a:xfrm>
+            <a:off x="640080" y="2240280"/>
+            <a:ext cx="457200" cy="457200"/>
+          </a:xfrm>
+          <a:prstGeom prst="roundRect">
+            <a:avLst/>
+          </a:prstGeom>
+          <a:solidFill>
+            <a:srgbClr val="10B981"/>
+          </a:solidFill>
+          <a:ln w="25400">
+            <a:solidFill>
+              <a:srgbClr val="10B981"/>
+            </a:solidFill>
+          </a:ln>
+        </p:spPr>
+        <p:style>
+          <a:lnRef idx="1">
+            <a:schemeClr val="accent1"/>
+          </a:lnRef>
+          <a:fillRef idx="3">
+            <a:schemeClr val="accent1"/>
+          </a:fillRef>
+          <a:effectRef idx="2">
+            <a:schemeClr val="accent1"/>
+          </a:effectRef>
+          <a:fontRef idx="minor">
+            <a:schemeClr val="lt1"/>
+          </a:fontRef>
+        </p:style>
+        <p:txBody>
+          <a:bodyPr rtlCol="0" anchor="ctr" wrap="square" lIns="137160" rIns="137160" tIns="91440"/>
+          <a:lstStyle/>
+          <a:p>
+            <a:pPr algn="ctr">
+              <a:defRPr sz="1800" b="1">
+                <a:solidFill>
+                  <a:srgbClr val="FFFFFF"/>
+                </a:solidFill>
+                <a:latin typeface="Arial"/>
+              </a:defRPr>
+            </a:pPr>
+            <a:r>
+              <a:t>2</a:t>
+            </a:r>
+          </a:p>
+        </p:txBody>
+      </p:sp>
+      <p:sp>
+        <p:nvSpPr>
+          <p:cNvPr id="8" name="Rounded Rectangle 7"/>
+          <p:cNvSpPr/>
+          <p:nvPr/>
+        </p:nvSpPr>
+        <p:spPr>
+          <a:xfrm>
+            <a:off x="1280160" y="2240280"/>
+            <a:ext cx="3657600" cy="914400"/>
+          </a:xfrm>
+          <a:prstGeom prst="roundRect">
+            <a:avLst/>
+          </a:prstGeom>
+          <a:solidFill>
+            <a:srgbClr val="3C3C3C"/>
+          </a:solidFill>
+          <a:ln w="25400">
+            <a:solidFill>
+              <a:srgbClr val="10B981"/>
+            </a:solidFill>
+          </a:ln>
+        </p:spPr>
+        <p:style>
+          <a:lnRef idx="1">
+            <a:schemeClr val="accent1"/>
+          </a:lnRef>
+          <a:fillRef idx="3">
+            <a:schemeClr val="accent1"/>
+          </a:fillRef>
+          <a:effectRef idx="2">
+            <a:schemeClr val="accent1"/>
+          </a:effectRef>
+          <a:fontRef idx="minor">
+            <a:schemeClr val="lt1"/>
+          </a:fontRef>
+        </p:style>
+        <p:txBody>
+          <a:bodyPr rtlCol="0" anchor="ctr" wrap="square" lIns="137160" rIns="137160" tIns="91440"/>
+          <a:lstStyle/>
+          <a:p>
+            <a:pPr algn="ctr">
+              <a:defRPr sz="1100" b="1">
+                <a:solidFill>
+                  <a:srgbClr val="10B981"/>
+                </a:solidFill>
+                <a:latin typeface="Arial"/>
+              </a:defRPr>
+            </a:pPr>
+            <a:r>
+              <a:t>FRONTEND</a:t>
+            </a:r>
+            <a:br/>
+            <a:r>
+              <a:t>React 19 • Tailwind • Recharts</a:t>
+            </a:r>
+          </a:p>
+        </p:txBody>
+      </p:sp>
+      <p:sp>
+        <p:nvSpPr>
+          <p:cNvPr id="9" name="Rounded Rectangle 8"/>
+          <p:cNvSpPr/>
+          <p:nvPr/>
+        </p:nvSpPr>
+        <p:spPr>
+          <a:xfrm>
+            <a:off x="5120640" y="2240280"/>
+            <a:ext cx="3383280" cy="914400"/>
+          </a:xfrm>
+          <a:prstGeom prst="roundRect">
+            <a:avLst/>
+          </a:prstGeom>
+          <a:solidFill>
+            <a:srgbClr val="DCFCE7"/>
+          </a:solidFill>
+          <a:ln w="25400">
+            <a:solidFill>
+              <a:srgbClr val="10B981"/>
+            </a:solidFill>
+          </a:ln>
+        </p:spPr>
+        <p:style>
+          <a:lnRef idx="1">
+            <a:schemeClr val="accent1"/>
+          </a:lnRef>
+          <a:fillRef idx="3">
+            <a:schemeClr val="accent1"/>
+          </a:fillRef>
+          <a:effectRef idx="2">
+            <a:schemeClr val="accent1"/>
+          </a:effectRef>
+          <a:fontRef idx="minor">
+            <a:schemeClr val="lt1"/>
+          </a:fontRef>
+        </p:style>
+        <p:txBody>
+          <a:bodyPr rtlCol="0" anchor="ctr" wrap="square" lIns="137160" rIns="137160" tIns="91440"/>
+          <a:lstStyle/>
+          <a:p>
+            <a:pPr algn="ctr">
+              <a:defRPr sz="900">
+                <a:solidFill>
+                  <a:srgbClr val="141414"/>
+                </a:solidFill>
+                <a:latin typeface="Arial"/>
+              </a:defRPr>
+            </a:pPr>
+            <a:r>
+              <a:t>Компонентний підхід • Responsive</a:t>
+            </a:r>
+          </a:p>
+        </p:txBody>
+      </p:sp>
+      <p:sp>
+        <p:nvSpPr>
+          <p:cNvPr id="10" name="Rounded Rectangle 9"/>
+          <p:cNvSpPr/>
+          <p:nvPr/>
+        </p:nvSpPr>
+        <p:spPr>
+          <a:xfrm>
+            <a:off x="640080" y="3291840"/>
+            <a:ext cx="457200" cy="457200"/>
+          </a:xfrm>
+          <a:prstGeom prst="roundRect">
+            <a:avLst/>
+          </a:prstGeom>
+          <a:solidFill>
+            <a:srgbClr val="10B981"/>
+          </a:solidFill>
+          <a:ln w="25400">
+            <a:solidFill>
+              <a:srgbClr val="10B981"/>
+            </a:solidFill>
+          </a:ln>
+        </p:spPr>
+        <p:style>
+          <a:lnRef idx="1">
+            <a:schemeClr val="accent1"/>
+          </a:lnRef>
+          <a:fillRef idx="3">
+            <a:schemeClr val="accent1"/>
+          </a:fillRef>
+          <a:effectRef idx="2">
+            <a:schemeClr val="accent1"/>
+          </a:effectRef>
+          <a:fontRef idx="minor">
+            <a:schemeClr val="lt1"/>
+          </a:fontRef>
+        </p:style>
+        <p:txBody>
+          <a:bodyPr rtlCol="0" anchor="ctr" wrap="square" lIns="137160" rIns="137160" tIns="91440"/>
+          <a:lstStyle/>
+          <a:p>
+            <a:pPr algn="ctr">
+              <a:defRPr sz="1800" b="1">
+                <a:solidFill>
+                  <a:srgbClr val="FFFFFF"/>
+                </a:solidFill>
+                <a:latin typeface="Arial"/>
+              </a:defRPr>
+            </a:pPr>
+            <a:r>
+              <a:t>3</a:t>
+            </a:r>
+          </a:p>
+        </p:txBody>
+      </p:sp>
+      <p:sp>
+        <p:nvSpPr>
+          <p:cNvPr id="11" name="Rounded Rectangle 10"/>
+          <p:cNvSpPr/>
+          <p:nvPr/>
+        </p:nvSpPr>
+        <p:spPr>
+          <a:xfrm>
+            <a:off x="1280160" y="3291840"/>
+            <a:ext cx="3657600" cy="914400"/>
+          </a:xfrm>
+          <a:prstGeom prst="roundRect">
+            <a:avLst/>
+          </a:prstGeom>
+          <a:solidFill>
+            <a:srgbClr val="3C3C3C"/>
+          </a:solidFill>
+          <a:ln w="25400">
+            <a:solidFill>
+              <a:srgbClr val="10B981"/>
+            </a:solidFill>
+          </a:ln>
+        </p:spPr>
+        <p:style>
+          <a:lnRef idx="1">
+            <a:schemeClr val="accent1"/>
+          </a:lnRef>
+          <a:fillRef idx="3">
+            <a:schemeClr val="accent1"/>
+          </a:fillRef>
+          <a:effectRef idx="2">
+            <a:schemeClr val="accent1"/>
+          </a:effectRef>
+          <a:fontRef idx="minor">
+            <a:schemeClr val="lt1"/>
+          </a:fontRef>
+        </p:style>
+        <p:txBody>
+          <a:bodyPr rtlCol="0" anchor="ctr" wrap="square" lIns="137160" rIns="137160" tIns="91440"/>
+          <a:lstStyle/>
+          <a:p>
+            <a:pPr algn="ctr">
+              <a:defRPr sz="1100" b="1">
+                <a:solidFill>
+                  <a:srgbClr val="10B981"/>
+                </a:solidFill>
+                <a:latin typeface="Arial"/>
+              </a:defRPr>
+            </a:pPr>
+            <a:r>
+              <a:t>КАРТОГРАФІЯ</a:t>
+            </a:r>
+            <a:br/>
+            <a:r>
+              <a:t>Leaflet.js • GeoJSON • OSM</a:t>
+            </a:r>
+          </a:p>
+        </p:txBody>
+      </p:sp>
+      <p:sp>
+        <p:nvSpPr>
+          <p:cNvPr id="12" name="Rounded Rectangle 11"/>
+          <p:cNvSpPr/>
+          <p:nvPr/>
+        </p:nvSpPr>
+        <p:spPr>
+          <a:xfrm>
+            <a:off x="5120640" y="3291840"/>
+            <a:ext cx="3383280" cy="914400"/>
+          </a:xfrm>
+          <a:prstGeom prst="roundRect">
+            <a:avLst/>
+          </a:prstGeom>
+          <a:solidFill>
+            <a:srgbClr val="DCFCE7"/>
+          </a:solidFill>
+          <a:ln w="25400">
+            <a:solidFill>
+              <a:srgbClr val="10B981"/>
+            </a:solidFill>
+          </a:ln>
+        </p:spPr>
+        <p:style>
+          <a:lnRef idx="1">
+            <a:schemeClr val="accent1"/>
+          </a:lnRef>
+          <a:fillRef idx="3">
+            <a:schemeClr val="accent1"/>
+          </a:fillRef>
+          <a:effectRef idx="2">
+            <a:schemeClr val="accent1"/>
+          </a:effectRef>
+          <a:fontRef idx="minor">
+            <a:schemeClr val="lt1"/>
+          </a:fontRef>
+        </p:style>
+        <p:txBody>
+          <a:bodyPr rtlCol="0" anchor="ctr" wrap="square" lIns="137160" rIns="137160" tIns="91440"/>
+          <a:lstStyle/>
+          <a:p>
+            <a:pPr algn="ctr">
+              <a:defRPr sz="900">
+                <a:solidFill>
+                  <a:srgbClr val="141414"/>
+                </a:solidFill>
+                <a:latin typeface="Arial"/>
+              </a:defRPr>
+            </a:pPr>
+            <a:r>
+              <a:t>Інтерактивні карти • Clustering</a:t>
+            </a:r>
+          </a:p>
+        </p:txBody>
+      </p:sp>
+      <p:sp>
+        <p:nvSpPr>
+          <p:cNvPr id="13" name="Rounded Rectangle 12"/>
+          <p:cNvSpPr/>
+          <p:nvPr/>
+        </p:nvSpPr>
+        <p:spPr>
+          <a:xfrm>
+            <a:off x="640080" y="4343400"/>
+            <a:ext cx="457200" cy="457200"/>
+          </a:xfrm>
+          <a:prstGeom prst="roundRect">
+            <a:avLst/>
+          </a:prstGeom>
+          <a:solidFill>
+            <a:srgbClr val="10B981"/>
+          </a:solidFill>
+          <a:ln w="25400">
+            <a:solidFill>
+              <a:srgbClr val="10B981"/>
+            </a:solidFill>
+          </a:ln>
+        </p:spPr>
+        <p:style>
+          <a:lnRef idx="1">
+            <a:schemeClr val="accent1"/>
+          </a:lnRef>
+          <a:fillRef idx="3">
+            <a:schemeClr val="accent1"/>
+          </a:fillRef>
+          <a:effectRef idx="2">
+            <a:schemeClr val="accent1"/>
+          </a:effectRef>
+          <a:fontRef idx="minor">
+            <a:schemeClr val="lt1"/>
+          </a:fontRef>
+        </p:style>
+        <p:txBody>
+          <a:bodyPr rtlCol="0" anchor="ctr" wrap="square" lIns="137160" rIns="137160" tIns="91440"/>
+          <a:lstStyle/>
+          <a:p>
+            <a:pPr algn="ctr">
+              <a:defRPr sz="1800" b="1">
+                <a:solidFill>
+                  <a:srgbClr val="FFFFFF"/>
+                </a:solidFill>
+                <a:latin typeface="Arial"/>
+              </a:defRPr>
+            </a:pPr>
+            <a:r>
+              <a:t>4</a:t>
+            </a:r>
+          </a:p>
+        </p:txBody>
+      </p:sp>
+      <p:sp>
+        <p:nvSpPr>
+          <p:cNvPr id="14" name="Rounded Rectangle 13"/>
+          <p:cNvSpPr/>
+          <p:nvPr/>
+        </p:nvSpPr>
+        <p:spPr>
+          <a:xfrm>
+            <a:off x="1280160" y="4343400"/>
+            <a:ext cx="3657600" cy="914400"/>
+          </a:xfrm>
+          <a:prstGeom prst="roundRect">
+            <a:avLst/>
+          </a:prstGeom>
+          <a:solidFill>
+            <a:srgbClr val="3C3C3C"/>
+          </a:solidFill>
+          <a:ln w="25400">
+            <a:solidFill>
+              <a:srgbClr val="10B981"/>
+            </a:solidFill>
+          </a:ln>
+        </p:spPr>
+        <p:style>
+          <a:lnRef idx="1">
+            <a:schemeClr val="accent1"/>
+          </a:lnRef>
+          <a:fillRef idx="3">
+            <a:schemeClr val="accent1"/>
+          </a:fillRef>
+          <a:effectRef idx="2">
+            <a:schemeClr val="accent1"/>
+          </a:effectRef>
+          <a:fontRef idx="minor">
+            <a:schemeClr val="lt1"/>
+          </a:fontRef>
+        </p:style>
+        <p:txBody>
+          <a:bodyPr rtlCol="0" anchor="ctr" wrap="square" lIns="137160" rIns="137160" tIns="91440"/>
+          <a:lstStyle/>
+          <a:p>
+            <a:pPr algn="ctr">
+              <a:defRPr sz="1100" b="1">
+                <a:solidFill>
+                  <a:srgbClr val="10B981"/>
+                </a:solidFill>
+                <a:latin typeface="Arial"/>
+              </a:defRPr>
+            </a:pPr>
+            <a:r>
+              <a:t>AI</a:t>
+            </a:r>
+            <a:br/>
+            <a:r>
+              <a:t>Claude Sonnet 4 • Google Places</a:t>
+            </a:r>
+          </a:p>
+        </p:txBody>
+      </p:sp>
+      <p:sp>
+        <p:nvSpPr>
+          <p:cNvPr id="15" name="Rounded Rectangle 14"/>
+          <p:cNvSpPr/>
+          <p:nvPr/>
+        </p:nvSpPr>
+        <p:spPr>
+          <a:xfrm>
+            <a:off x="5120640" y="4343400"/>
+            <a:ext cx="3383280" cy="914400"/>
+          </a:xfrm>
+          <a:prstGeom prst="roundRect">
+            <a:avLst/>
+          </a:prstGeom>
+          <a:solidFill>
+            <a:srgbClr val="DCFCE7"/>
+          </a:solidFill>
+          <a:ln w="25400">
+            <a:solidFill>
+              <a:srgbClr val="10B981"/>
+            </a:solidFill>
+          </a:ln>
+        </p:spPr>
+        <p:style>
+          <a:lnRef idx="1">
+            <a:schemeClr val="accent1"/>
+          </a:lnRef>
+          <a:fillRef idx="3">
+            <a:schemeClr val="accent1"/>
+          </a:fillRef>
+          <a:effectRef idx="2">
+            <a:schemeClr val="accent1"/>
+          </a:effectRef>
+          <a:fontRef idx="minor">
+            <a:schemeClr val="lt1"/>
+          </a:fontRef>
+        </p:style>
+        <p:txBody>
+          <a:bodyPr rtlCol="0" anchor="ctr" wrap="square" lIns="137160" rIns="137160" tIns="91440"/>
+          <a:lstStyle/>
+          <a:p>
+            <a:pPr algn="ctr">
+              <a:defRPr sz="900">
+                <a:solidFill>
+                  <a:srgbClr val="141414"/>
+                </a:solidFill>
+                <a:latin typeface="Arial"/>
+              </a:defRPr>
+            </a:pPr>
+            <a:r>
+              <a:t>AI-асистент • Real-time дані</a:t>
+            </a:r>
+          </a:p>
+        </p:txBody>
+      </p:sp>
+      <p:sp>
+        <p:nvSpPr>
+          <p:cNvPr id="16" name="TextBox 15"/>
+          <p:cNvSpPr txBox="1"/>
+          <p:nvPr/>
+        </p:nvSpPr>
+        <p:spPr>
+          <a:xfrm>
+            <a:off x="7772400" y="6309360"/>
+            <a:ext cx="914400" cy="274320"/>
+          </a:xfrm>
+          <a:prstGeom prst="rect">
+            <a:avLst/>
+          </a:prstGeom>
+          <a:noFill/>
+        </p:spPr>
+        <p:txBody>
+          <a:bodyPr wrap="none">
+            <a:spAutoFit/>
+          </a:bodyPr>
+          <a:lstStyle/>
+          <a:p>
+            <a:pPr algn="r">
+              <a:defRPr sz="1200">
+                <a:solidFill>
+                  <a:srgbClr val="646464"/>
+                </a:solidFill>
+                <a:latin typeface="Arial"/>
+              </a:defRPr>
+            </a:pPr>
+            <a:r>
+              <a:t>7 / 11</a:t>
+            </a:r>
+          </a:p>
+        </p:txBody>
+      </p:sp>
+    </p:spTree>
+  </p:cSld>
+  <p:clrMapOvr>
+    <a:masterClrMapping/>
+  </p:clrMapOvr>
+</p:sld>
+</file>
+
+<file path=ppt/slides/slide8.xml><?xml version="1.0" encoding="utf-8"?>
+<p:sld xmlns:a="http://schemas.openxmlformats.org/drawingml/2006/main" xmlns:p="http://schemas.openxmlformats.org/presentationml/2006/main" xmlns:r="http://schemas.openxmlformats.org/officeDocument/2006/relationships">
+  <p:cSld>
+    <p:spTree>
+      <p:nvGrpSpPr>
+        <p:cNvPr id="1" name=""/>
+        <p:cNvGrpSpPr/>
+        <p:nvPr/>
+      </p:nvGrpSpPr>
+      <p:grpSpPr/>
+      <p:sp>
+        <p:nvSpPr>
+          <p:cNvPr id="2" name="Rectangle 1"/>
+          <p:cNvSpPr/>
+          <p:nvPr/>
+        </p:nvSpPr>
+        <p:spPr>
+          <a:xfrm>
+            <a:off x="0" y="0"/>
+            <a:ext cx="9144000" cy="6858000"/>
+          </a:xfrm>
+          <a:prstGeom prst="rect">
+            <a:avLst/>
+          </a:prstGeom>
+          <a:solidFill>
+            <a:srgbClr val="1A1A1A"/>
+          </a:solidFill>
+          <a:ln>
+            <a:noFill/>
+          </a:ln>
+        </p:spPr>
+        <p:style>
+          <a:lnRef idx="1">
+            <a:schemeClr val="accent1"/>
+          </a:lnRef>
+          <a:fillRef idx="3">
+            <a:schemeClr val="accent1"/>
+          </a:fillRef>
+          <a:effectRef idx="2">
+            <a:schemeClr val="accent1"/>
+          </a:effectRef>
+          <a:fontRef idx="minor">
+            <a:schemeClr val="lt1"/>
+          </a:fontRef>
+        </p:style>
+        <p:txBody>
+          <a:bodyPr rtlCol="0" anchor="ctr"/>
+          <a:lstStyle/>
+          <a:p>
+            <a:pPr algn="ctr"/>
+          </a:p>
+        </p:txBody>
+      </p:sp>
+      <p:sp>
+        <p:nvSpPr>
+          <p:cNvPr id="3" name="Rounded Rectangle 2"/>
+          <p:cNvSpPr/>
+          <p:nvPr/>
+        </p:nvSpPr>
+        <p:spPr>
+          <a:xfrm>
+            <a:off x="457200" y="274320"/>
+            <a:ext cx="8229600" cy="548640"/>
+          </a:xfrm>
+          <a:prstGeom prst="roundRect">
+            <a:avLst/>
+          </a:prstGeom>
+          <a:solidFill>
+            <a:srgbClr val="10B981"/>
+          </a:solidFill>
+          <a:ln w="25400">
+            <a:solidFill>
+              <a:srgbClr val="10B981"/>
+            </a:solidFill>
+          </a:ln>
+        </p:spPr>
+        <p:style>
+          <a:lnRef idx="1">
+            <a:schemeClr val="accent1"/>
+          </a:lnRef>
+          <a:fillRef idx="3">
+            <a:schemeClr val="accent1"/>
+          </a:fillRef>
+          <a:effectRef idx="2">
+            <a:schemeClr val="accent1"/>
+          </a:effectRef>
+          <a:fontRef idx="minor">
+            <a:schemeClr val="lt1"/>
+          </a:fontRef>
+        </p:style>
+        <p:txBody>
+          <a:bodyPr rtlCol="0" anchor="ctr" wrap="square" lIns="137160" rIns="137160" tIns="91440"/>
+          <a:lstStyle/>
+          <a:p>
+            <a:pPr algn="ctr">
+              <a:defRPr sz="2600" b="1">
+                <a:solidFill>
+                  <a:srgbClr val="FFFFFF"/>
+                </a:solidFill>
+                <a:latin typeface="Arial"/>
+              </a:defRPr>
+            </a:pPr>
+            <a:r>
+              <a:t>ДЕМОНСТРАЦІЯ СИСТЕМИ</a:t>
+            </a:r>
+          </a:p>
+        </p:txBody>
+      </p:sp>
+      <p:sp>
+        <p:nvSpPr>
+          <p:cNvPr id="4" name="Rounded Rectangle 3"/>
+          <p:cNvSpPr/>
+          <p:nvPr/>
+        </p:nvSpPr>
+        <p:spPr>
+          <a:xfrm>
+            <a:off x="1828800" y="1371600"/>
+            <a:ext cx="5486400" cy="2560320"/>
+          </a:xfrm>
+          <a:prstGeom prst="roundRect">
+            <a:avLst/>
+          </a:prstGeom>
+          <a:solidFill>
+            <a:srgbClr val="3C3C3C"/>
+          </a:solidFill>
+          <a:ln w="25400">
+            <a:solidFill>
+              <a:srgbClr val="10B981"/>
+            </a:solidFill>
+          </a:ln>
+        </p:spPr>
+        <p:style>
+          <a:lnRef idx="1">
+            <a:schemeClr val="accent1"/>
+          </a:lnRef>
+          <a:fillRef idx="3">
+            <a:schemeClr val="accent1"/>
+          </a:fillRef>
+          <a:effectRef idx="2">
+            <a:schemeClr val="accent1"/>
+          </a:effectRef>
+          <a:fontRef idx="minor">
+            <a:schemeClr val="lt1"/>
+          </a:fontRef>
+        </p:style>
+        <p:txBody>
+          <a:bodyPr rtlCol="0" anchor="ctr" wrap="square" lIns="137160" rIns="137160" tIns="91440"/>
+          <a:lstStyle/>
+          <a:p>
+            <a:pPr algn="ctr">
+              <a:defRPr sz="1600">
+                <a:solidFill>
+                  <a:srgbClr val="10B981"/>
+                </a:solidFill>
+                <a:latin typeface="Arial"/>
+              </a:defRPr>
+            </a:pPr>
+            <a:r>
+              <a:t>📹 МІСЦЕ ДЛЯ ВІДЕО</a:t>
+            </a:r>
+            <a:br/>
+            <a:br/>
+            <a:r>
+              <a:t>(Додайте скріншот або відео)</a:t>
+            </a:r>
+          </a:p>
+        </p:txBody>
+      </p:sp>
+      <p:sp>
+        <p:nvSpPr>
+          <p:cNvPr id="5" name="Rounded Rectangle 4"/>
+          <p:cNvSpPr/>
+          <p:nvPr/>
+        </p:nvSpPr>
+        <p:spPr>
+          <a:xfrm>
+            <a:off x="1371600" y="4389120"/>
+            <a:ext cx="1371600" cy="548640"/>
+          </a:xfrm>
+          <a:prstGeom prst="roundRect">
+            <a:avLst/>
+          </a:prstGeom>
+          <a:solidFill>
+            <a:srgbClr val="10B981"/>
+          </a:solidFill>
+          <a:ln w="25400">
+            <a:solidFill>
+              <a:srgbClr val="10B981"/>
+            </a:solidFill>
+          </a:ln>
+        </p:spPr>
+        <p:style>
+          <a:lnRef idx="1">
+            <a:schemeClr val="accent1"/>
+          </a:lnRef>
+          <a:fillRef idx="3">
+            <a:schemeClr val="accent1"/>
+          </a:fillRef>
+          <a:effectRef idx="2">
+            <a:schemeClr val="accent1"/>
+          </a:effectRef>
+          <a:fontRef idx="minor">
+            <a:schemeClr val="lt1"/>
+          </a:fontRef>
+        </p:style>
+        <p:txBody>
+          <a:bodyPr rtlCol="0" anchor="ctr" wrap="square" lIns="137160" rIns="137160" tIns="91440"/>
+          <a:lstStyle/>
+          <a:p>
+            <a:pPr algn="ctr">
+              <a:defRPr sz="2400" b="1">
+                <a:solidFill>
+                  <a:srgbClr val="FFFFFF"/>
+                </a:solidFill>
+                <a:latin typeface="Arial"/>
+              </a:defRPr>
+            </a:pPr>
+            <a:r>
+              <a:t>1,864</a:t>
+            </a:r>
+          </a:p>
+        </p:txBody>
+      </p:sp>
+      <p:sp>
+        <p:nvSpPr>
+          <p:cNvPr id="6" name="TextBox 5"/>
+          <p:cNvSpPr txBox="1"/>
+          <p:nvPr/>
+        </p:nvSpPr>
+        <p:spPr>
+          <a:xfrm>
+            <a:off x="1371600" y="5029200"/>
+            <a:ext cx="1371600" cy="365760"/>
+          </a:xfrm>
+          <a:prstGeom prst="rect">
+            <a:avLst/>
+          </a:prstGeom>
+          <a:noFill/>
+        </p:spPr>
+        <p:txBody>
+          <a:bodyPr wrap="none">
+            <a:spAutoFit/>
+          </a:bodyPr>
+          <a:lstStyle/>
+          <a:p>
+            <a:pPr algn="ctr">
+              <a:defRPr sz="900">
+                <a:solidFill>
+                  <a:srgbClr val="C8C8C8"/>
+                </a:solidFill>
+                <a:latin typeface="Arial"/>
+              </a:defRPr>
+            </a:pPr>
+            <a:r>
+              <a:t>Об'єктів</a:t>
+            </a:r>
+          </a:p>
+        </p:txBody>
+      </p:sp>
+      <p:sp>
+        <p:nvSpPr>
+          <p:cNvPr id="7" name="Rounded Rectangle 6"/>
+          <p:cNvSpPr/>
+          <p:nvPr/>
+        </p:nvSpPr>
+        <p:spPr>
+          <a:xfrm>
+            <a:off x="3200400" y="4389120"/>
+            <a:ext cx="1371600" cy="548640"/>
+          </a:xfrm>
+          <a:prstGeom prst="roundRect">
+            <a:avLst/>
+          </a:prstGeom>
+          <a:solidFill>
+            <a:srgbClr val="10B981"/>
+          </a:solidFill>
+          <a:ln w="25400">
+            <a:solidFill>
+              <a:srgbClr val="10B981"/>
+            </a:solidFill>
+          </a:ln>
+        </p:spPr>
+        <p:style>
+          <a:lnRef idx="1">
+            <a:schemeClr val="accent1"/>
+          </a:lnRef>
+          <a:fillRef idx="3">
+            <a:schemeClr val="accent1"/>
+          </a:fillRef>
+          <a:effectRef idx="2">
+            <a:schemeClr val="accent1"/>
+          </a:effectRef>
+          <a:fontRef idx="minor">
+            <a:schemeClr val="lt1"/>
+          </a:fontRef>
+        </p:style>
+        <p:txBody>
+          <a:bodyPr rtlCol="0" anchor="ctr" wrap="square" lIns="137160" rIns="137160" tIns="91440"/>
+          <a:lstStyle/>
+          <a:p>
+            <a:pPr algn="ctr">
+              <a:defRPr sz="2400" b="1">
+                <a:solidFill>
+                  <a:srgbClr val="FFFFFF"/>
+                </a:solidFill>
+                <a:latin typeface="Arial"/>
+              </a:defRPr>
+            </a:pPr>
+            <a:r>
+              <a:t>7</a:t>
+            </a:r>
+          </a:p>
+        </p:txBody>
+      </p:sp>
+      <p:sp>
+        <p:nvSpPr>
+          <p:cNvPr id="8" name="TextBox 7"/>
+          <p:cNvSpPr txBox="1"/>
+          <p:nvPr/>
+        </p:nvSpPr>
+        <p:spPr>
+          <a:xfrm>
+            <a:off x="3200400" y="5029200"/>
+            <a:ext cx="1371600" cy="365760"/>
+          </a:xfrm>
+          <a:prstGeom prst="rect">
+            <a:avLst/>
+          </a:prstGeom>
+          <a:noFill/>
+        </p:spPr>
+        <p:txBody>
+          <a:bodyPr wrap="none">
+            <a:spAutoFit/>
+          </a:bodyPr>
+          <a:lstStyle/>
+          <a:p>
+            <a:pPr algn="ctr">
+              <a:defRPr sz="900">
+                <a:solidFill>
+                  <a:srgbClr val="C8C8C8"/>
+                </a:solidFill>
+                <a:latin typeface="Arial"/>
+              </a:defRPr>
+            </a:pPr>
+            <a:r>
+              <a:t>Кластерів</a:t>
+            </a:r>
+          </a:p>
+        </p:txBody>
+      </p:sp>
+      <p:sp>
+        <p:nvSpPr>
+          <p:cNvPr id="9" name="Rounded Rectangle 8"/>
+          <p:cNvSpPr/>
+          <p:nvPr/>
+        </p:nvSpPr>
+        <p:spPr>
+          <a:xfrm>
+            <a:off x="5029200" y="4389120"/>
+            <a:ext cx="1371600" cy="548640"/>
+          </a:xfrm>
+          <a:prstGeom prst="roundRect">
+            <a:avLst/>
+          </a:prstGeom>
+          <a:solidFill>
+            <a:srgbClr val="10B981"/>
+          </a:solidFill>
+          <a:ln w="25400">
+            <a:solidFill>
+              <a:srgbClr val="10B981"/>
+            </a:solidFill>
+          </a:ln>
+        </p:spPr>
+        <p:style>
+          <a:lnRef idx="1">
+            <a:schemeClr val="accent1"/>
+          </a:lnRef>
+          <a:fillRef idx="3">
+            <a:schemeClr val="accent1"/>
+          </a:fillRef>
+          <a:effectRef idx="2">
+            <a:schemeClr val="accent1"/>
+          </a:effectRef>
+          <a:fontRef idx="minor">
+            <a:schemeClr val="lt1"/>
+          </a:fontRef>
+        </p:style>
+        <p:txBody>
+          <a:bodyPr rtlCol="0" anchor="ctr" wrap="square" lIns="137160" rIns="137160" tIns="91440"/>
+          <a:lstStyle/>
+          <a:p>
+            <a:pPr algn="ctr">
+              <a:defRPr sz="2400" b="1">
+                <a:solidFill>
+                  <a:srgbClr val="FFFFFF"/>
+                </a:solidFill>
+                <a:latin typeface="Arial"/>
+              </a:defRPr>
+            </a:pPr>
+            <a:r>
+              <a:t>4</a:t>
+            </a:r>
+          </a:p>
+        </p:txBody>
+      </p:sp>
+      <p:sp>
+        <p:nvSpPr>
+          <p:cNvPr id="10" name="TextBox 9"/>
+          <p:cNvSpPr txBox="1"/>
+          <p:nvPr/>
+        </p:nvSpPr>
+        <p:spPr>
+          <a:xfrm>
+            <a:off x="5029200" y="5029200"/>
+            <a:ext cx="1371600" cy="365760"/>
+          </a:xfrm>
+          <a:prstGeom prst="rect">
+            <a:avLst/>
+          </a:prstGeom>
+          <a:noFill/>
+        </p:spPr>
+        <p:txBody>
+          <a:bodyPr wrap="none">
+            <a:spAutoFit/>
+          </a:bodyPr>
+          <a:lstStyle/>
+          <a:p>
+            <a:pPr algn="ctr">
+              <a:defRPr sz="900">
+                <a:solidFill>
+                  <a:srgbClr val="C8C8C8"/>
+                </a:solidFill>
+                <a:latin typeface="Arial"/>
+              </a:defRPr>
+            </a:pPr>
+            <a:r>
+              <a:t>Райони</a:t>
+            </a:r>
+          </a:p>
+        </p:txBody>
+      </p:sp>
+      <p:sp>
+        <p:nvSpPr>
+          <p:cNvPr id="11" name="Rounded Rectangle 10"/>
+          <p:cNvSpPr/>
+          <p:nvPr/>
+        </p:nvSpPr>
+        <p:spPr>
+          <a:xfrm>
+            <a:off x="6858000" y="4389120"/>
+            <a:ext cx="1371600" cy="548640"/>
+          </a:xfrm>
+          <a:prstGeom prst="roundRect">
+            <a:avLst/>
+          </a:prstGeom>
+          <a:solidFill>
+            <a:srgbClr val="10B981"/>
+          </a:solidFill>
+          <a:ln w="25400">
+            <a:solidFill>
+              <a:srgbClr val="10B981"/>
+            </a:solidFill>
+          </a:ln>
+        </p:spPr>
+        <p:style>
+          <a:lnRef idx="1">
+            <a:schemeClr val="accent1"/>
+          </a:lnRef>
+          <a:fillRef idx="3">
+            <a:schemeClr val="accent1"/>
+          </a:fillRef>
+          <a:effectRef idx="2">
+            <a:schemeClr val="accent1"/>
+          </a:effectRef>
+          <a:fontRef idx="minor">
+            <a:schemeClr val="lt1"/>
+          </a:fontRef>
+        </p:style>
+        <p:txBody>
+          <a:bodyPr rtlCol="0" anchor="ctr" wrap="square" lIns="137160" rIns="137160" tIns="91440"/>
+          <a:lstStyle/>
+          <a:p>
+            <a:pPr algn="ctr">
+              <a:defRPr sz="2400" b="1">
+                <a:solidFill>
+                  <a:srgbClr val="FFFFFF"/>
+                </a:solidFill>
+                <a:latin typeface="Arial"/>
+              </a:defRPr>
+            </a:pPr>
+            <a:r>
+              <a:t>100%</a:t>
+            </a:r>
+          </a:p>
+        </p:txBody>
+      </p:sp>
+      <p:sp>
+        <p:nvSpPr>
+          <p:cNvPr id="12" name="TextBox 11"/>
+          <p:cNvSpPr txBox="1"/>
+          <p:nvPr/>
+        </p:nvSpPr>
+        <p:spPr>
+          <a:xfrm>
+            <a:off x="6858000" y="5029200"/>
+            <a:ext cx="1371600" cy="365760"/>
+          </a:xfrm>
+          <a:prstGeom prst="rect">
+            <a:avLst/>
+          </a:prstGeom>
+          <a:noFill/>
+        </p:spPr>
+        <p:txBody>
+          <a:bodyPr wrap="none">
+            <a:spAutoFit/>
+          </a:bodyPr>
+          <a:lstStyle/>
+          <a:p>
+            <a:pPr algn="ctr">
+              <a:defRPr sz="900">
+                <a:solidFill>
+                  <a:srgbClr val="C8C8C8"/>
+                </a:solidFill>
+                <a:latin typeface="Arial"/>
+              </a:defRPr>
+            </a:pPr>
+            <a:r>
+              <a:t>Дизайн</a:t>
+            </a:r>
+          </a:p>
+        </p:txBody>
+      </p:sp>
+      <p:sp>
+        <p:nvSpPr>
+          <p:cNvPr id="13" name="TextBox 12"/>
+          <p:cNvSpPr txBox="1"/>
+          <p:nvPr/>
+        </p:nvSpPr>
+        <p:spPr>
+          <a:xfrm>
+            <a:off x="7772400" y="6309360"/>
+            <a:ext cx="914400" cy="274320"/>
+          </a:xfrm>
+          <a:prstGeom prst="rect">
+            <a:avLst/>
+          </a:prstGeom>
+          <a:noFill/>
+        </p:spPr>
+        <p:txBody>
+          <a:bodyPr wrap="none">
+            <a:spAutoFit/>
+          </a:bodyPr>
+          <a:lstStyle/>
+          <a:p>
+            <a:pPr algn="r">
+              <a:defRPr sz="1200">
+                <a:solidFill>
+                  <a:srgbClr val="646464"/>
+                </a:solidFill>
+                <a:latin typeface="Arial"/>
+              </a:defRPr>
+            </a:pPr>
+            <a:r>
+              <a:t>8 / 11</a:t>
+            </a:r>
+          </a:p>
+        </p:txBody>
+      </p:sp>
+    </p:spTree>
+  </p:cSld>
+  <p:clrMapOvr>
+    <a:masterClrMapping/>
+  </p:clrMapOvr>
+</p:sld>
+</file>
+
+<file path=ppt/slides/slide9.xml><?xml version="1.0" encoding="utf-8"?>
+<p:sld xmlns:a="http://schemas.openxmlformats.org/drawingml/2006/main" xmlns:p="http://schemas.openxmlformats.org/presentationml/2006/main" xmlns:r="http://schemas.openxmlformats.org/officeDocument/2006/relationships">
+  <p:cSld>
+    <p:spTree>
+      <p:nvGrpSpPr>
+        <p:cNvPr id="1" name=""/>
+        <p:cNvGrpSpPr/>
+        <p:nvPr/>
+      </p:nvGrpSpPr>
+      <p:grpSpPr/>
+      <p:sp>
+        <p:nvSpPr>
+          <p:cNvPr id="2" name="Rectangle 1"/>
+          <p:cNvSpPr/>
+          <p:nvPr/>
+        </p:nvSpPr>
+        <p:spPr>
+          <a:xfrm>
+            <a:off x="0" y="0"/>
+            <a:ext cx="9144000" cy="6858000"/>
+          </a:xfrm>
+          <a:prstGeom prst="rect">
+            <a:avLst/>
+          </a:prstGeom>
+          <a:solidFill>
+            <a:srgbClr val="1A1A1A"/>
+          </a:solidFill>
+          <a:ln>
+            <a:noFill/>
+          </a:ln>
+        </p:spPr>
+        <p:style>
+          <a:lnRef idx="1">
+            <a:schemeClr val="accent1"/>
+          </a:lnRef>
+          <a:fillRef idx="3">
+            <a:schemeClr val="accent1"/>
+          </a:fillRef>
+          <a:effectRef idx="2">
+            <a:schemeClr val="accent1"/>
+          </a:effectRef>
+          <a:fontRef idx="minor">
+            <a:schemeClr val="lt1"/>
+          </a:fontRef>
+        </p:style>
+        <p:txBody>
+          <a:bodyPr rtlCol="0" anchor="ctr"/>
+          <a:lstStyle/>
+          <a:p>
+            <a:pPr algn="ctr"/>
+          </a:p>
+        </p:txBody>
+      </p:sp>
+      <p:sp>
+        <p:nvSpPr>
+          <p:cNvPr id="3" name="Rounded Rectangle 2"/>
+          <p:cNvSpPr/>
+          <p:nvPr/>
+        </p:nvSpPr>
+        <p:spPr>
+          <a:xfrm>
+            <a:off x="457200" y="274320"/>
+            <a:ext cx="8229600" cy="548640"/>
+          </a:xfrm>
+          <a:prstGeom prst="roundRect">
+            <a:avLst/>
+          </a:prstGeom>
+          <a:solidFill>
+            <a:srgbClr val="10B981"/>
+          </a:solidFill>
+          <a:ln w="25400">
+            <a:solidFill>
+              <a:srgbClr val="10B981"/>
+            </a:solidFill>
+          </a:ln>
+        </p:spPr>
+        <p:style>
+          <a:lnRef idx="1">
+            <a:schemeClr val="accent1"/>
+          </a:lnRef>
+          <a:fillRef idx="3">
+            <a:schemeClr val="accent1"/>
+          </a:fillRef>
+          <a:effectRef idx="2">
+            <a:schemeClr val="accent1"/>
+          </a:effectRef>
+          <a:fontRef idx="minor">
+            <a:schemeClr val="lt1"/>
+          </a:fontRef>
+        </p:style>
+        <p:txBody>
+          <a:bodyPr rtlCol="0" anchor="ctr" wrap="square" lIns="137160" rIns="137160" tIns="91440"/>
+          <a:lstStyle/>
+          <a:p>
+            <a:pPr algn="ctr">
+              <a:defRPr sz="2600" b="1">
+                <a:solidFill>
+                  <a:srgbClr val="FFFFFF"/>
+                </a:solidFill>
+                <a:latin typeface="Arial"/>
+              </a:defRPr>
+            </a:pPr>
+            <a:r>
+              <a:t>ТЕСТУВАННЯ СИСТЕМИ</a:t>
+            </a:r>
+          </a:p>
+        </p:txBody>
+      </p:sp>
+      <p:sp>
+        <p:nvSpPr>
+          <p:cNvPr id="4" name="Rounded Rectangle 3"/>
+          <p:cNvSpPr/>
+          <p:nvPr/>
+        </p:nvSpPr>
+        <p:spPr>
+          <a:xfrm>
+            <a:off x="640080" y="1188720"/>
+            <a:ext cx="457200" cy="457200"/>
+          </a:xfrm>
+          <a:prstGeom prst="roundRect">
+            <a:avLst/>
+          </a:prstGeom>
+          <a:solidFill>
+            <a:srgbClr val="10B981"/>
+          </a:solidFill>
+          <a:ln w="25400">
+            <a:solidFill>
+              <a:srgbClr val="10B981"/>
+            </a:solidFill>
+          </a:ln>
+        </p:spPr>
+        <p:style>
+          <a:lnRef idx="1">
+            <a:schemeClr val="accent1"/>
+          </a:lnRef>
+          <a:fillRef idx="3">
+            <a:schemeClr val="accent1"/>
+          </a:fillRef>
+          <a:effectRef idx="2">
+            <a:schemeClr val="accent1"/>
+          </a:effectRef>
+          <a:fontRef idx="minor">
+            <a:schemeClr val="lt1"/>
+          </a:fontRef>
+        </p:style>
+        <p:txBody>
+          <a:bodyPr rtlCol="0" anchor="ctr" wrap="square" lIns="137160" rIns="137160" tIns="91440"/>
+          <a:lstStyle/>
+          <a:p>
+            <a:pPr algn="ctr">
+              <a:defRPr sz="1600" b="1">
+                <a:solidFill>
+                  <a:srgbClr val="FFFFFF"/>
+                </a:solidFill>
+                <a:latin typeface="Arial"/>
+              </a:defRPr>
+            </a:pPr>
+            <a:r>
+              <a:t>1</a:t>
+            </a:r>
+          </a:p>
+        </p:txBody>
+      </p:sp>
+      <p:sp>
+        <p:nvSpPr>
+          <p:cNvPr id="5" name="Rounded Rectangle 4"/>
+          <p:cNvSpPr/>
+          <p:nvPr/>
+        </p:nvSpPr>
+        <p:spPr>
+          <a:xfrm>
+            <a:off x="1280160" y="1188720"/>
+            <a:ext cx="2103120" cy="457200"/>
+          </a:xfrm>
+          <a:prstGeom prst="roundRect">
+            <a:avLst/>
+          </a:prstGeom>
+          <a:solidFill>
+            <a:srgbClr val="10B981"/>
+          </a:solidFill>
+          <a:ln w="25400">
+            <a:solidFill>
+              <a:srgbClr val="10B981"/>
+            </a:solidFill>
+          </a:ln>
+        </p:spPr>
+        <p:style>
+          <a:lnRef idx="1">
+            <a:schemeClr val="accent1"/>
+          </a:lnRef>
+          <a:fillRef idx="3">
+            <a:schemeClr val="accent1"/>
+          </a:fillRef>
+          <a:effectRef idx="2">
+            <a:schemeClr val="accent1"/>
+          </a:effectRef>
+          <a:fontRef idx="minor">
+            <a:schemeClr val="lt1"/>
+          </a:fontRef>
+        </p:style>
+        <p:txBody>
+          <a:bodyPr rtlCol="0" anchor="ctr" wrap="square" lIns="137160" rIns="137160" tIns="91440"/>
+          <a:lstStyle/>
+          <a:p>
+            <a:pPr algn="ctr">
+              <a:defRPr sz="1100" b="1">
+                <a:solidFill>
+                  <a:srgbClr val="FFFFFF"/>
+                </a:solidFill>
+                <a:latin typeface="Arial"/>
+              </a:defRPr>
+            </a:pPr>
+            <a:r>
+              <a:t>ПРОДУКТИВНІСТЬ</a:t>
+            </a:r>
+          </a:p>
+        </p:txBody>
+      </p:sp>
+      <p:sp>
+        <p:nvSpPr>
+          <p:cNvPr id="6" name="Rounded Rectangle 5"/>
+          <p:cNvSpPr/>
+          <p:nvPr/>
+        </p:nvSpPr>
+        <p:spPr>
+          <a:xfrm>
+            <a:off x="3566160" y="1188720"/>
+            <a:ext cx="2011680" cy="457200"/>
+          </a:xfrm>
+          <a:prstGeom prst="roundRect">
+            <a:avLst/>
+          </a:prstGeom>
+          <a:solidFill>
+            <a:srgbClr val="3C3C3C"/>
+          </a:solidFill>
+          <a:ln w="25400">
+            <a:solidFill>
+              <a:srgbClr val="10B981"/>
+            </a:solidFill>
+          </a:ln>
+        </p:spPr>
+        <p:style>
+          <a:lnRef idx="1">
+            <a:schemeClr val="accent1"/>
+          </a:lnRef>
+          <a:fillRef idx="3">
+            <a:schemeClr val="accent1"/>
+          </a:fillRef>
+          <a:effectRef idx="2">
+            <a:schemeClr val="accent1"/>
+          </a:effectRef>
+          <a:fontRef idx="minor">
+            <a:schemeClr val="lt1"/>
+          </a:fontRef>
+        </p:style>
+        <p:txBody>
+          <a:bodyPr rtlCol="0" anchor="ctr" wrap="square" lIns="137160" rIns="137160" tIns="91440"/>
+          <a:lstStyle/>
+          <a:p>
+            <a:pPr algn="ctr">
+              <a:defRPr sz="1000">
+                <a:solidFill>
+                  <a:srgbClr val="C8C8C8"/>
+                </a:solidFill>
+                <a:latin typeface="Arial"/>
+              </a:defRPr>
+            </a:pPr>
+            <a:r>
+              <a:t>Frontend Testing</a:t>
+            </a:r>
+          </a:p>
+        </p:txBody>
+      </p:sp>
+      <p:sp>
+        <p:nvSpPr>
+          <p:cNvPr id="7" name="Rounded Rectangle 6"/>
+          <p:cNvSpPr/>
+          <p:nvPr/>
+        </p:nvSpPr>
+        <p:spPr>
+          <a:xfrm>
+            <a:off x="1280160" y="1737360"/>
+            <a:ext cx="7223760" cy="640080"/>
+          </a:xfrm>
+          <a:prstGeom prst="roundRect">
+            <a:avLst/>
+          </a:prstGeom>
+          <a:solidFill>
+            <a:srgbClr val="DCFCE7"/>
+          </a:solidFill>
+          <a:ln w="25400">
+            <a:solidFill>
+              <a:srgbClr val="10B981"/>
+            </a:solidFill>
+          </a:ln>
+        </p:spPr>
+        <p:style>
+          <a:lnRef idx="1">
+            <a:schemeClr val="accent1"/>
+          </a:lnRef>
+          <a:fillRef idx="3">
+            <a:schemeClr val="accent1"/>
+          </a:fillRef>
+          <a:effectRef idx="2">
+            <a:schemeClr val="accent1"/>
+          </a:effectRef>
+          <a:fontRef idx="minor">
+            <a:schemeClr val="lt1"/>
+          </a:fontRef>
+        </p:style>
+        <p:txBody>
+          <a:bodyPr rtlCol="0" anchor="ctr" wrap="square" lIns="137160" rIns="137160" tIns="91440"/>
+          <a:lstStyle/>
+          <a:p>
+            <a:pPr algn="ctr">
+              <a:defRPr sz="1000">
+                <a:solidFill>
+                  <a:srgbClr val="141414"/>
+                </a:solidFill>
+                <a:latin typeface="Arial"/>
+              </a:defRPr>
+            </a:pPr>
+            <a:r>
+              <a:t>100% - Усі тести пройдено</a:t>
+            </a:r>
+          </a:p>
+        </p:txBody>
+      </p:sp>
+      <p:sp>
+        <p:nvSpPr>
+          <p:cNvPr id="8" name="Rounded Rectangle 7"/>
+          <p:cNvSpPr/>
+          <p:nvPr/>
+        </p:nvSpPr>
+        <p:spPr>
+          <a:xfrm>
+            <a:off x="640080" y="2514600"/>
+            <a:ext cx="457200" cy="457200"/>
+          </a:xfrm>
+          <a:prstGeom prst="roundRect">
+            <a:avLst/>
+          </a:prstGeom>
+          <a:solidFill>
+            <a:srgbClr val="10B981"/>
+          </a:solidFill>
+          <a:ln w="25400">
+            <a:solidFill>
+              <a:srgbClr val="10B981"/>
+            </a:solidFill>
+          </a:ln>
+        </p:spPr>
+        <p:style>
+          <a:lnRef idx="1">
+            <a:schemeClr val="accent1"/>
+          </a:lnRef>
+          <a:fillRef idx="3">
+            <a:schemeClr val="accent1"/>
+          </a:fillRef>
+          <a:effectRef idx="2">
+            <a:schemeClr val="accent1"/>
+          </a:effectRef>
+          <a:fontRef idx="minor">
+            <a:schemeClr val="lt1"/>
+          </a:fontRef>
+        </p:style>
+        <p:txBody>
+          <a:bodyPr rtlCol="0" anchor="ctr" wrap="square" lIns="137160" rIns="137160" tIns="91440"/>
+          <a:lstStyle/>
+          <a:p>
+            <a:pPr algn="ctr">
+              <a:defRPr sz="1600" b="1">
+                <a:solidFill>
+                  <a:srgbClr val="FFFFFF"/>
+                </a:solidFill>
+                <a:latin typeface="Arial"/>
+              </a:defRPr>
+            </a:pPr>
+            <a:r>
+              <a:t>2</a:t>
+            </a:r>
+          </a:p>
+        </p:txBody>
+      </p:sp>
+      <p:sp>
+        <p:nvSpPr>
+          <p:cNvPr id="9" name="Rounded Rectangle 8"/>
+          <p:cNvSpPr/>
+          <p:nvPr/>
+        </p:nvSpPr>
+        <p:spPr>
+          <a:xfrm>
+            <a:off x="1280160" y="2514600"/>
+            <a:ext cx="2103120" cy="457200"/>
+          </a:xfrm>
+          <a:prstGeom prst="roundRect">
+            <a:avLst/>
+          </a:prstGeom>
+          <a:solidFill>
+            <a:srgbClr val="10B981"/>
+          </a:solidFill>
+          <a:ln w="25400">
+            <a:solidFill>
+              <a:srgbClr val="10B981"/>
+            </a:solidFill>
+          </a:ln>
+        </p:spPr>
+        <p:style>
+          <a:lnRef idx="1">
+            <a:schemeClr val="accent1"/>
+          </a:lnRef>
+          <a:fillRef idx="3">
+            <a:schemeClr val="accent1"/>
+          </a:fillRef>
+          <a:effectRef idx="2">
+            <a:schemeClr val="accent1"/>
+          </a:effectRef>
+          <a:fontRef idx="minor">
+            <a:schemeClr val="lt1"/>
+          </a:fontRef>
+        </p:style>
+        <p:txBody>
+          <a:bodyPr rtlCol="0" anchor="ctr" wrap="square" lIns="137160" rIns="137160" tIns="91440"/>
+          <a:lstStyle/>
+          <a:p>
+            <a:pPr algn="ctr">
+              <a:defRPr sz="1100" b="1">
+                <a:solidFill>
+                  <a:srgbClr val="FFFFFF"/>
+                </a:solidFill>
+                <a:latin typeface="Arial"/>
+              </a:defRPr>
+            </a:pPr>
+            <a:r>
+              <a:t>КОРИСНІСТЬ</a:t>
+            </a:r>
+          </a:p>
+        </p:txBody>
+      </p:sp>
+      <p:sp>
+        <p:nvSpPr>
+          <p:cNvPr id="10" name="Rounded Rectangle 9"/>
+          <p:cNvSpPr/>
+          <p:nvPr/>
+        </p:nvSpPr>
+        <p:spPr>
+          <a:xfrm>
+            <a:off x="3566160" y="2514600"/>
+            <a:ext cx="2011680" cy="457200"/>
+          </a:xfrm>
+          <a:prstGeom prst="roundRect">
+            <a:avLst/>
+          </a:prstGeom>
+          <a:solidFill>
+            <a:srgbClr val="3C3C3C"/>
+          </a:solidFill>
+          <a:ln w="25400">
+            <a:solidFill>
+              <a:srgbClr val="10B981"/>
+            </a:solidFill>
+          </a:ln>
+        </p:spPr>
+        <p:style>
+          <a:lnRef idx="1">
+            <a:schemeClr val="accent1"/>
+          </a:lnRef>
+          <a:fillRef idx="3">
+            <a:schemeClr val="accent1"/>
+          </a:fillRef>
+          <a:effectRef idx="2">
+            <a:schemeClr val="accent1"/>
+          </a:effectRef>
+          <a:fontRef idx="minor">
+            <a:schemeClr val="lt1"/>
+          </a:fontRef>
+        </p:style>
+        <p:txBody>
+          <a:bodyPr rtlCol="0" anchor="ctr" wrap="square" lIns="137160" rIns="137160" tIns="91440"/>
+          <a:lstStyle/>
+          <a:p>
+            <a:pPr algn="ctr">
+              <a:defRPr sz="1000">
+                <a:solidFill>
+                  <a:srgbClr val="C8C8C8"/>
+                </a:solidFill>
+                <a:latin typeface="Arial"/>
+              </a:defRPr>
+            </a:pPr>
+            <a:r>
+              <a:t>Backend API</a:t>
+            </a:r>
+          </a:p>
+        </p:txBody>
+      </p:sp>
+      <p:sp>
+        <p:nvSpPr>
+          <p:cNvPr id="11" name="Rounded Rectangle 10"/>
+          <p:cNvSpPr/>
+          <p:nvPr/>
+        </p:nvSpPr>
+        <p:spPr>
+          <a:xfrm>
+            <a:off x="1280160" y="3063240"/>
+            <a:ext cx="7223760" cy="640080"/>
+          </a:xfrm>
+          <a:prstGeom prst="roundRect">
+            <a:avLst/>
+          </a:prstGeom>
+          <a:solidFill>
+            <a:srgbClr val="DCFCE7"/>
+          </a:solidFill>
+          <a:ln w="25400">
+            <a:solidFill>
+              <a:srgbClr val="10B981"/>
+            </a:solidFill>
+          </a:ln>
+        </p:spPr>
+        <p:style>
+          <a:lnRef idx="1">
+            <a:schemeClr val="accent1"/>
+          </a:lnRef>
+          <a:fillRef idx="3">
+            <a:schemeClr val="accent1"/>
+          </a:fillRef>
+          <a:effectRef idx="2">
+            <a:schemeClr val="accent1"/>
+          </a:effectRef>
+          <a:fontRef idx="minor">
+            <a:schemeClr val="lt1"/>
+          </a:fontRef>
+        </p:style>
+        <p:txBody>
+          <a:bodyPr rtlCol="0" anchor="ctr" wrap="square" lIns="137160" rIns="137160" tIns="91440"/>
+          <a:lstStyle/>
+          <a:p>
+            <a:pPr algn="ctr">
+              <a:defRPr sz="1000">
+                <a:solidFill>
+                  <a:srgbClr val="141414"/>
+                </a:solidFill>
+                <a:latin typeface="Arial"/>
+              </a:defRPr>
+            </a:pPr>
+            <a:r>
+              <a:t>90% - 9/10 тестів успішні</a:t>
+            </a:r>
+          </a:p>
+        </p:txBody>
+      </p:sp>
+      <p:sp>
+        <p:nvSpPr>
+          <p:cNvPr id="12" name="Rounded Rectangle 11"/>
+          <p:cNvSpPr/>
+          <p:nvPr/>
+        </p:nvSpPr>
+        <p:spPr>
+          <a:xfrm>
+            <a:off x="640080" y="3840480"/>
+            <a:ext cx="457200" cy="457200"/>
+          </a:xfrm>
+          <a:prstGeom prst="roundRect">
+            <a:avLst/>
+          </a:prstGeom>
+          <a:solidFill>
+            <a:srgbClr val="10B981"/>
+          </a:solidFill>
+          <a:ln w="25400">
+            <a:solidFill>
+              <a:srgbClr val="10B981"/>
+            </a:solidFill>
+          </a:ln>
+        </p:spPr>
+        <p:style>
+          <a:lnRef idx="1">
+            <a:schemeClr val="accent1"/>
+          </a:lnRef>
+          <a:fillRef idx="3">
+            <a:schemeClr val="accent1"/>
+          </a:fillRef>
+          <a:effectRef idx="2">
+            <a:schemeClr val="accent1"/>
+          </a:effectRef>
+          <a:fontRef idx="minor">
+            <a:schemeClr val="lt1"/>
+          </a:fontRef>
+        </p:style>
+        <p:txBody>
+          <a:bodyPr rtlCol="0" anchor="ctr" wrap="square" lIns="137160" rIns="137160" tIns="91440"/>
+          <a:lstStyle/>
+          <a:p>
+            <a:pPr algn="ctr">
+              <a:defRPr sz="1600" b="1">
+                <a:solidFill>
+                  <a:srgbClr val="FFFFFF"/>
+                </a:solidFill>
+                <a:latin typeface="Arial"/>
+              </a:defRPr>
+            </a:pPr>
+            <a:r>
+              <a:t>3</a:t>
+            </a:r>
+          </a:p>
+        </p:txBody>
+      </p:sp>
+      <p:sp>
+        <p:nvSpPr>
+          <p:cNvPr id="13" name="Rounded Rectangle 12"/>
+          <p:cNvSpPr/>
+          <p:nvPr/>
+        </p:nvSpPr>
+        <p:spPr>
+          <a:xfrm>
+            <a:off x="1280160" y="3840480"/>
+            <a:ext cx="2103120" cy="457200"/>
+          </a:xfrm>
+          <a:prstGeom prst="roundRect">
+            <a:avLst/>
+          </a:prstGeom>
+          <a:solidFill>
+            <a:srgbClr val="10B981"/>
+          </a:solidFill>
+          <a:ln w="25400">
+            <a:solidFill>
+              <a:srgbClr val="10B981"/>
+            </a:solidFill>
+          </a:ln>
+        </p:spPr>
+        <p:style>
+          <a:lnRef idx="1">
+            <a:schemeClr val="accent1"/>
+          </a:lnRef>
+          <a:fillRef idx="3">
+            <a:schemeClr val="accent1"/>
+          </a:fillRef>
+          <a:effectRef idx="2">
+            <a:schemeClr val="accent1"/>
+          </a:effectRef>
+          <a:fontRef idx="minor">
+            <a:schemeClr val="lt1"/>
+          </a:fontRef>
+        </p:style>
+        <p:txBody>
+          <a:bodyPr rtlCol="0" anchor="ctr" wrap="square" lIns="137160" rIns="137160" tIns="91440"/>
+          <a:lstStyle/>
+          <a:p>
+            <a:pPr algn="ctr">
+              <a:defRPr sz="1100" b="1">
+                <a:solidFill>
+                  <a:srgbClr val="FFFFFF"/>
+                </a:solidFill>
+                <a:latin typeface="Arial"/>
+              </a:defRPr>
+            </a:pPr>
+            <a:r>
+              <a:t>БЕЗПЕКА</a:t>
+            </a:r>
+          </a:p>
+        </p:txBody>
+      </p:sp>
+      <p:sp>
+        <p:nvSpPr>
+          <p:cNvPr id="14" name="Rounded Rectangle 13"/>
+          <p:cNvSpPr/>
+          <p:nvPr/>
+        </p:nvSpPr>
+        <p:spPr>
+          <a:xfrm>
+            <a:off x="3566160" y="3840480"/>
+            <a:ext cx="2011680" cy="457200"/>
+          </a:xfrm>
+          <a:prstGeom prst="roundRect">
+            <a:avLst/>
+          </a:prstGeom>
+          <a:solidFill>
+            <a:srgbClr val="3C3C3C"/>
+          </a:solidFill>
+          <a:ln w="25400">
+            <a:solidFill>
+              <a:srgbClr val="10B981"/>
+            </a:solidFill>
+          </a:ln>
+        </p:spPr>
+        <p:style>
+          <a:lnRef idx="1">
+            <a:schemeClr val="accent1"/>
+          </a:lnRef>
+          <a:fillRef idx="3">
+            <a:schemeClr val="accent1"/>
+          </a:fillRef>
+          <a:effectRef idx="2">
+            <a:schemeClr val="accent1"/>
+          </a:effectRef>
+          <a:fontRef idx="minor">
+            <a:schemeClr val="lt1"/>
+          </a:fontRef>
+        </p:style>
+        <p:txBody>
+          <a:bodyPr rtlCol="0" anchor="ctr" wrap="square" lIns="137160" rIns="137160" tIns="91440"/>
+          <a:lstStyle/>
+          <a:p>
+            <a:pPr algn="ctr">
+              <a:defRPr sz="1000">
+                <a:solidFill>
+                  <a:srgbClr val="C8C8C8"/>
+                </a:solidFill>
+                <a:latin typeface="Arial"/>
+              </a:defRPr>
+            </a:pPr>
+            <a:r>
+              <a:t>Security Practices</a:t>
+            </a:r>
+          </a:p>
+        </p:txBody>
+      </p:sp>
+      <p:sp>
+        <p:nvSpPr>
+          <p:cNvPr id="15" name="Rounded Rectangle 14"/>
+          <p:cNvSpPr/>
+          <p:nvPr/>
+        </p:nvSpPr>
+        <p:spPr>
+          <a:xfrm>
+            <a:off x="1280160" y="4389120"/>
+            <a:ext cx="7223760" cy="640080"/>
+          </a:xfrm>
+          <a:prstGeom prst="roundRect">
+            <a:avLst/>
+          </a:prstGeom>
+          <a:solidFill>
+            <a:srgbClr val="DCFCE7"/>
+          </a:solidFill>
+          <a:ln w="25400">
+            <a:solidFill>
+              <a:srgbClr val="10B981"/>
+            </a:solidFill>
+          </a:ln>
+        </p:spPr>
+        <p:style>
+          <a:lnRef idx="1">
+            <a:schemeClr val="accent1"/>
+          </a:lnRef>
+          <a:fillRef idx="3">
+            <a:schemeClr val="accent1"/>
+          </a:fillRef>
+          <a:effectRef idx="2">
+            <a:schemeClr val="accent1"/>
+          </a:effectRef>
+          <a:fontRef idx="minor">
+            <a:schemeClr val="lt1"/>
+          </a:fontRef>
+        </p:style>
+        <p:txBody>
+          <a:bodyPr rtlCol="0" anchor="ctr" wrap="square" lIns="137160" rIns="137160" tIns="91440"/>
+          <a:lstStyle/>
+          <a:p>
+            <a:pPr algn="ctr">
+              <a:defRPr sz="1000">
+                <a:solidFill>
+                  <a:srgbClr val="141414"/>
+                </a:solidFill>
+                <a:latin typeface="Arial"/>
+              </a:defRPr>
+            </a:pPr>
+            <a:r>
+              <a:t>✓ Пройдено - Валідація даних</a:t>
+            </a:r>
+          </a:p>
+        </p:txBody>
+      </p:sp>
+      <p:sp>
+        <p:nvSpPr>
+          <p:cNvPr id="16" name="TextBox 15"/>
+          <p:cNvSpPr txBox="1"/>
+          <p:nvPr/>
+        </p:nvSpPr>
+        <p:spPr>
+          <a:xfrm>
+            <a:off x="7772400" y="6309360"/>
+            <a:ext cx="914400" cy="274320"/>
+          </a:xfrm>
+          <a:prstGeom prst="rect">
+            <a:avLst/>
+          </a:prstGeom>
+          <a:noFill/>
+        </p:spPr>
+        <p:txBody>
+          <a:bodyPr wrap="none">
+            <a:spAutoFit/>
+          </a:bodyPr>
+          <a:lstStyle/>
+          <a:p>
+            <a:pPr algn="r">
+              <a:defRPr sz="1200">
+                <a:solidFill>
+                  <a:srgbClr val="646464"/>
+                </a:solidFill>
+                <a:latin typeface="Arial"/>
+              </a:defRPr>
+            </a:pPr>
+            <a:r>
+              <a:t>9 / 11</a:t>
             </a:r>
           </a:p>
         </p:txBody>
